--- a/PPT - paper prototype.pptx
+++ b/PPT - paper prototype.pptx
@@ -8,14 +8,15 @@
     <p:sldId id="256" r:id="rId2"/>
     <p:sldId id="259" r:id="rId3"/>
     <p:sldId id="257" r:id="rId4"/>
-    <p:sldId id="260" r:id="rId5"/>
-    <p:sldId id="258" r:id="rId6"/>
-    <p:sldId id="261" r:id="rId7"/>
-    <p:sldId id="262" r:id="rId8"/>
-    <p:sldId id="263" r:id="rId9"/>
-    <p:sldId id="264" r:id="rId10"/>
-    <p:sldId id="265" r:id="rId11"/>
-    <p:sldId id="266" r:id="rId12"/>
+    <p:sldId id="258" r:id="rId5"/>
+    <p:sldId id="261" r:id="rId6"/>
+    <p:sldId id="262" r:id="rId7"/>
+    <p:sldId id="264" r:id="rId8"/>
+    <p:sldId id="265" r:id="rId9"/>
+    <p:sldId id="266" r:id="rId10"/>
+    <p:sldId id="263" r:id="rId11"/>
+    <p:sldId id="260" r:id="rId12"/>
+    <p:sldId id="267" r:id="rId13"/>
   </p:sldIdLst>
   <p:sldSz cx="12192000" cy="6858000"/>
   <p:notesSz cx="6858000" cy="9144000"/>
@@ -253,7 +254,7 @@
           <a:p>
             <a:fld id="{5D765ACA-B41D-4CE7-B572-36C99732DB4D}" type="datetimeFigureOut">
               <a:rPr lang="en-US" smtClean="0"/>
-              <a:t>5/19/2017</a:t>
+              <a:t>5/20/2017</a:t>
             </a:fld>
             <a:endParaRPr lang="en-US"/>
           </a:p>
@@ -423,7 +424,7 @@
           <a:p>
             <a:fld id="{5D765ACA-B41D-4CE7-B572-36C99732DB4D}" type="datetimeFigureOut">
               <a:rPr lang="en-US" smtClean="0"/>
-              <a:t>5/19/2017</a:t>
+              <a:t>5/20/2017</a:t>
             </a:fld>
             <a:endParaRPr lang="en-US"/>
           </a:p>
@@ -603,7 +604,7 @@
           <a:p>
             <a:fld id="{5D765ACA-B41D-4CE7-B572-36C99732DB4D}" type="datetimeFigureOut">
               <a:rPr lang="en-US" smtClean="0"/>
-              <a:t>5/19/2017</a:t>
+              <a:t>5/20/2017</a:t>
             </a:fld>
             <a:endParaRPr lang="en-US"/>
           </a:p>
@@ -773,7 +774,7 @@
           <a:p>
             <a:fld id="{5D765ACA-B41D-4CE7-B572-36C99732DB4D}" type="datetimeFigureOut">
               <a:rPr lang="en-US" smtClean="0"/>
-              <a:t>5/19/2017</a:t>
+              <a:t>5/20/2017</a:t>
             </a:fld>
             <a:endParaRPr lang="en-US"/>
           </a:p>
@@ -1019,7 +1020,7 @@
           <a:p>
             <a:fld id="{5D765ACA-B41D-4CE7-B572-36C99732DB4D}" type="datetimeFigureOut">
               <a:rPr lang="en-US" smtClean="0"/>
-              <a:t>5/19/2017</a:t>
+              <a:t>5/20/2017</a:t>
             </a:fld>
             <a:endParaRPr lang="en-US"/>
           </a:p>
@@ -1251,7 +1252,7 @@
           <a:p>
             <a:fld id="{5D765ACA-B41D-4CE7-B572-36C99732DB4D}" type="datetimeFigureOut">
               <a:rPr lang="en-US" smtClean="0"/>
-              <a:t>5/19/2017</a:t>
+              <a:t>5/20/2017</a:t>
             </a:fld>
             <a:endParaRPr lang="en-US"/>
           </a:p>
@@ -1618,7 +1619,7 @@
           <a:p>
             <a:fld id="{5D765ACA-B41D-4CE7-B572-36C99732DB4D}" type="datetimeFigureOut">
               <a:rPr lang="en-US" smtClean="0"/>
-              <a:t>5/19/2017</a:t>
+              <a:t>5/20/2017</a:t>
             </a:fld>
             <a:endParaRPr lang="en-US"/>
           </a:p>
@@ -1736,7 +1737,7 @@
           <a:p>
             <a:fld id="{5D765ACA-B41D-4CE7-B572-36C99732DB4D}" type="datetimeFigureOut">
               <a:rPr lang="en-US" smtClean="0"/>
-              <a:t>5/19/2017</a:t>
+              <a:t>5/20/2017</a:t>
             </a:fld>
             <a:endParaRPr lang="en-US"/>
           </a:p>
@@ -1831,7 +1832,7 @@
           <a:p>
             <a:fld id="{5D765ACA-B41D-4CE7-B572-36C99732DB4D}" type="datetimeFigureOut">
               <a:rPr lang="en-US" smtClean="0"/>
-              <a:t>5/19/2017</a:t>
+              <a:t>5/20/2017</a:t>
             </a:fld>
             <a:endParaRPr lang="en-US"/>
           </a:p>
@@ -2108,7 +2109,7 @@
           <a:p>
             <a:fld id="{5D765ACA-B41D-4CE7-B572-36C99732DB4D}" type="datetimeFigureOut">
               <a:rPr lang="en-US" smtClean="0"/>
-              <a:t>5/19/2017</a:t>
+              <a:t>5/20/2017</a:t>
             </a:fld>
             <a:endParaRPr lang="en-US"/>
           </a:p>
@@ -2361,7 +2362,7 @@
           <a:p>
             <a:fld id="{5D765ACA-B41D-4CE7-B572-36C99732DB4D}" type="datetimeFigureOut">
               <a:rPr lang="en-US" smtClean="0"/>
-              <a:t>5/19/2017</a:t>
+              <a:t>5/20/2017</a:t>
             </a:fld>
             <a:endParaRPr lang="en-US"/>
           </a:p>
@@ -2574,7 +2575,7 @@
           <a:p>
             <a:fld id="{5D765ACA-B41D-4CE7-B572-36C99732DB4D}" type="datetimeFigureOut">
               <a:rPr lang="en-US" smtClean="0"/>
-              <a:t>5/19/2017</a:t>
+              <a:t>5/20/2017</a:t>
             </a:fld>
             <a:endParaRPr lang="en-US"/>
           </a:p>
@@ -3024,7 +3025,7 @@
           <a:p>
             <a:r>
               <a:rPr lang="en-US" dirty="0" smtClean="0"/>
-              <a:t>Team </a:t>
+              <a:t>By Team </a:t>
             </a:r>
             <a:r>
               <a:rPr lang="en-US" dirty="0" err="1" smtClean="0"/>
@@ -3377,22 +3378,13 @@
             <a:avLst/>
           </a:prstGeom>
           <a:solidFill>
-            <a:schemeClr val="bg1">
-              <a:lumMod val="85000"/>
-            </a:schemeClr>
+            <a:srgbClr val="92D050"/>
           </a:solidFill>
-          <a:ln>
-            <a:solidFill>
-              <a:schemeClr val="bg1">
-                <a:lumMod val="75000"/>
-              </a:schemeClr>
-            </a:solidFill>
-          </a:ln>
           <a:effectLst>
             <a:glow rad="228600">
-              <a:schemeClr val="accent3">
+              <a:schemeClr val="accent6">
                 <a:satMod val="175000"/>
-                <a:alpha val="40000"/>
+                <a:alpha val="63000"/>
               </a:schemeClr>
             </a:glow>
             <a:softEdge rad="63500"/>
@@ -3423,9 +3415,61 @@
           </a:p>
         </p:txBody>
       </p:sp>
+      <p:sp>
+        <p:nvSpPr>
+          <p:cNvPr id="4" name="Oval 3"/>
+          <p:cNvSpPr/>
+          <p:nvPr/>
+        </p:nvSpPr>
+        <p:spPr>
+          <a:xfrm>
+            <a:off x="4966448" y="4222376"/>
+            <a:ext cx="1766046" cy="1766046"/>
+          </a:xfrm>
+          <a:prstGeom prst="ellipse">
+            <a:avLst/>
+          </a:prstGeom>
+          <a:solidFill>
+            <a:srgbClr val="92D050"/>
+          </a:solidFill>
+          <a:effectLst>
+            <a:glow rad="228600">
+              <a:schemeClr val="accent6">
+                <a:satMod val="175000"/>
+                <a:alpha val="63000"/>
+              </a:schemeClr>
+            </a:glow>
+            <a:softEdge rad="63500"/>
+          </a:effectLst>
+        </p:spPr>
+        <p:style>
+          <a:lnRef idx="2">
+            <a:schemeClr val="accent1">
+              <a:shade val="50000"/>
+            </a:schemeClr>
+          </a:lnRef>
+          <a:fillRef idx="1">
+            <a:schemeClr val="accent1"/>
+          </a:fillRef>
+          <a:effectRef idx="0">
+            <a:schemeClr val="accent1"/>
+          </a:effectRef>
+          <a:fontRef idx="minor">
+            <a:schemeClr val="lt1"/>
+          </a:fontRef>
+        </p:style>
+        <p:txBody>
+          <a:bodyPr rtlCol="0" anchor="ctr"/>
+          <a:lstStyle/>
+          <a:p>
+            <a:pPr algn="ctr"/>
+            <a:endParaRPr lang="en-US"/>
+          </a:p>
+        </p:txBody>
+      </p:sp>
       <p:pic>
         <p:nvPicPr>
-          <p:cNvPr id="5" name="Picture 4"/>
+          <p:cNvPr id="6" name="Picture 5"/>
           <p:cNvPicPr>
             <a:picLocks noChangeAspect="1"/>
           </p:cNvPicPr>
@@ -3439,8 +3483,8 @@
         </p:blipFill>
         <p:spPr>
           <a:xfrm>
-            <a:off x="10293488" y="618005"/>
-            <a:ext cx="544000" cy="439830"/>
+            <a:off x="10237164" y="637885"/>
+            <a:ext cx="532446" cy="439830"/>
           </a:xfrm>
           <a:prstGeom prst="rect">
             <a:avLst/>
@@ -3473,7 +3517,7 @@
       </p:pic>
       <p:pic>
         <p:nvPicPr>
-          <p:cNvPr id="7" name="Picture 6"/>
+          <p:cNvPr id="19" name="Picture 18"/>
           <p:cNvPicPr>
             <a:picLocks noChangeAspect="1"/>
           </p:cNvPicPr>
@@ -3498,8 +3542,8 @@
         </p:blipFill>
         <p:spPr>
           <a:xfrm>
-            <a:off x="10293488" y="5369859"/>
-            <a:ext cx="489704" cy="744399"/>
+            <a:off x="10388787" y="5289105"/>
+            <a:ext cx="353402" cy="744400"/>
           </a:xfrm>
           <a:prstGeom prst="rect">
             <a:avLst/>
@@ -3508,14 +3552,14 @@
       </p:pic>
       <p:sp>
         <p:nvSpPr>
-          <p:cNvPr id="19" name="TextBox 18"/>
+          <p:cNvPr id="20" name="TextBox 19"/>
           <p:cNvSpPr txBox="1"/>
           <p:nvPr/>
         </p:nvSpPr>
         <p:spPr>
           <a:xfrm>
-            <a:off x="5003160" y="828918"/>
-            <a:ext cx="1818126" cy="369332"/>
+            <a:off x="4890266" y="828918"/>
+            <a:ext cx="1918410" cy="369332"/>
           </a:xfrm>
           <a:prstGeom prst="rect">
             <a:avLst/>
@@ -3530,7 +3574,7 @@
           <a:p>
             <a:r>
               <a:rPr lang="en-US" dirty="0" smtClean="0"/>
-              <a:t>Human - Running</a:t>
+              <a:t>Demon - Attacking</a:t>
             </a:r>
             <a:endParaRPr lang="en-US" dirty="0"/>
           </a:p>
@@ -3539,13 +3583,105 @@
     </p:spTree>
     <p:extLst>
       <p:ext uri="{BB962C8B-B14F-4D97-AF65-F5344CB8AC3E}">
-        <p14:creationId xmlns:p14="http://schemas.microsoft.com/office/powerpoint/2010/main" val="1906329488"/>
+        <p14:creationId xmlns:p14="http://schemas.microsoft.com/office/powerpoint/2010/main" val="1285298127"/>
       </p:ext>
     </p:extLst>
   </p:cSld>
   <p:clrMapOvr>
     <a:masterClrMapping/>
   </p:clrMapOvr>
+  <p:timing>
+    <p:tnLst>
+      <p:par>
+        <p:cTn id="1" dur="indefinite" restart="never" nodeType="tmRoot">
+          <p:childTnLst>
+            <p:seq concurrent="1" nextAc="seek">
+              <p:cTn id="2" dur="indefinite" nodeType="mainSeq">
+                <p:childTnLst>
+                  <p:par>
+                    <p:cTn id="3" fill="hold">
+                      <p:stCondLst>
+                        <p:cond delay="indefinite"/>
+                      </p:stCondLst>
+                      <p:childTnLst>
+                        <p:par>
+                          <p:cTn id="4" fill="hold">
+                            <p:stCondLst>
+                              <p:cond delay="0"/>
+                            </p:stCondLst>
+                            <p:childTnLst>
+                              <p:par>
+                                <p:cTn id="5" presetID="6" presetClass="emph" presetSubtype="0" autoRev="1" fill="remove" grpId="0" nodeType="clickEffect">
+                                  <p:stCondLst>
+                                    <p:cond delay="0"/>
+                                  </p:stCondLst>
+                                  <p:childTnLst>
+                                    <p:animScale>
+                                      <p:cBhvr>
+                                        <p:cTn id="6" dur="2000" fill="hold"/>
+                                        <p:tgtEl>
+                                          <p:spTgt spid="4"/>
+                                        </p:tgtEl>
+                                      </p:cBhvr>
+                                      <p:by x="50000" y="50000"/>
+                                    </p:animScale>
+                                  </p:childTnLst>
+                                </p:cTn>
+                              </p:par>
+                              <p:par>
+                                <p:cTn id="7" presetID="42" presetClass="path" presetSubtype="0" accel="50000" decel="50000" autoRev="1" fill="hold" grpId="1" nodeType="withEffect">
+                                  <p:stCondLst>
+                                    <p:cond delay="0"/>
+                                  </p:stCondLst>
+                                  <p:childTnLst>
+                                    <p:animMotion origin="layout" path="M 2.5E-6 -4.44444E-6 L 0.08854 -0.32893 " pathEditMode="relative" rAng="0" ptsTypes="AA">
+                                      <p:cBhvr>
+                                        <p:cTn id="8" dur="2000" fill="hold"/>
+                                        <p:tgtEl>
+                                          <p:spTgt spid="4"/>
+                                        </p:tgtEl>
+                                        <p:attrNameLst>
+                                          <p:attrName>ppt_x</p:attrName>
+                                          <p:attrName>ppt_y</p:attrName>
+                                        </p:attrNameLst>
+                                      </p:cBhvr>
+                                      <p:rCtr x="4427" y="-16458"/>
+                                    </p:animMotion>
+                                  </p:childTnLst>
+                                </p:cTn>
+                              </p:par>
+                            </p:childTnLst>
+                          </p:cTn>
+                        </p:par>
+                      </p:childTnLst>
+                    </p:cTn>
+                  </p:par>
+                </p:childTnLst>
+              </p:cTn>
+              <p:prevCondLst>
+                <p:cond evt="onPrev" delay="0">
+                  <p:tgtEl>
+                    <p:sldTgt/>
+                  </p:tgtEl>
+                </p:cond>
+              </p:prevCondLst>
+              <p:nextCondLst>
+                <p:cond evt="onNext" delay="0">
+                  <p:tgtEl>
+                    <p:sldTgt/>
+                  </p:tgtEl>
+                </p:cond>
+              </p:nextCondLst>
+            </p:seq>
+          </p:childTnLst>
+        </p:cTn>
+      </p:par>
+    </p:tnLst>
+    <p:bldLst>
+      <p:bldP spid="4" grpId="0" animBg="1"/>
+      <p:bldP spid="4" grpId="1" animBg="1"/>
+    </p:bldLst>
+  </p:timing>
 </p:sld>
 </file>
 
@@ -3566,416 +3702,394 @@
           <a:chExt cx="0" cy="0"/>
         </a:xfrm>
       </p:grpSpPr>
+      <p:sp>
+        <p:nvSpPr>
+          <p:cNvPr id="2" name="TextBox 1"/>
+          <p:cNvSpPr txBox="1"/>
+          <p:nvPr/>
+        </p:nvSpPr>
+        <p:spPr>
+          <a:xfrm>
+            <a:off x="628649" y="904875"/>
+            <a:ext cx="8486775" cy="1292662"/>
+          </a:xfrm>
+          <a:prstGeom prst="rect">
+            <a:avLst/>
+          </a:prstGeom>
+          <a:noFill/>
+        </p:spPr>
+        <p:txBody>
+          <a:bodyPr wrap="square" rtlCol="0">
+            <a:spAutoFit/>
+          </a:bodyPr>
+          <a:lstStyle/>
+          <a:p>
+            <a:r>
+              <a:rPr lang="en-US" sz="2400" b="1" dirty="0" smtClean="0"/>
+              <a:t>Other Game details</a:t>
+            </a:r>
+          </a:p>
+          <a:p>
+            <a:pPr marL="285750" indent="-285750">
+              <a:buFont typeface="Arial" panose="020B0604020202020204" pitchFamily="34" charset="0"/>
+              <a:buChar char="•"/>
+            </a:pPr>
+            <a:r>
+              <a:rPr lang="en-US" dirty="0" smtClean="0"/>
+              <a:t>Leveling </a:t>
+            </a:r>
+            <a:r>
+              <a:rPr lang="en-US" dirty="0" smtClean="0"/>
+              <a:t>up will improve various abilities and stats of GBT</a:t>
+            </a:r>
+          </a:p>
+          <a:p>
+            <a:pPr marL="285750" indent="-285750">
+              <a:buFont typeface="Arial" panose="020B0604020202020204" pitchFamily="34" charset="0"/>
+              <a:buChar char="•"/>
+            </a:pPr>
+            <a:r>
+              <a:rPr lang="en-US" dirty="0" smtClean="0"/>
+              <a:t>Remainder of game, past tutorial, is not known yet</a:t>
+            </a:r>
+            <a:r>
+              <a:rPr lang="en-US" dirty="0" smtClean="0"/>
+              <a:t>. Varying levels of necessity to sneak vs. attack will be played with, to get the best balance.</a:t>
+            </a:r>
+            <a:endParaRPr lang="en-US" dirty="0"/>
+          </a:p>
+        </p:txBody>
+      </p:sp>
+      <p:sp>
+        <p:nvSpPr>
+          <p:cNvPr id="3" name="TextBox 2"/>
+          <p:cNvSpPr txBox="1"/>
+          <p:nvPr/>
+        </p:nvSpPr>
+        <p:spPr>
+          <a:xfrm>
+            <a:off x="971550" y="3495675"/>
+            <a:ext cx="4506618" cy="2400657"/>
+          </a:xfrm>
+          <a:prstGeom prst="rect">
+            <a:avLst/>
+          </a:prstGeom>
+          <a:noFill/>
+        </p:spPr>
+        <p:txBody>
+          <a:bodyPr wrap="none" rtlCol="0">
+            <a:spAutoFit/>
+          </a:bodyPr>
+          <a:lstStyle/>
+          <a:p>
+            <a:r>
+              <a:rPr lang="en-US" sz="2400" b="1" dirty="0" smtClean="0"/>
+              <a:t>Suggested GBT Upgrades/Abilities</a:t>
+            </a:r>
+          </a:p>
+          <a:p>
+            <a:pPr marL="342900" indent="-342900">
+              <a:buFont typeface="+mj-lt"/>
+              <a:buAutoNum type="arabicPeriod"/>
+            </a:pPr>
+            <a:r>
+              <a:rPr lang="en-US" dirty="0" smtClean="0"/>
+              <a:t>Can be used as a shield</a:t>
+            </a:r>
+          </a:p>
+          <a:p>
+            <a:pPr marL="342900" indent="-342900">
+              <a:buFont typeface="+mj-lt"/>
+              <a:buAutoNum type="arabicPeriod"/>
+            </a:pPr>
+            <a:r>
+              <a:rPr lang="en-US" dirty="0" smtClean="0"/>
+              <a:t>Range/distance </a:t>
+            </a:r>
+            <a:r>
+              <a:rPr lang="en-US" dirty="0" smtClean="0"/>
+              <a:t>lengthening</a:t>
+            </a:r>
+          </a:p>
+          <a:p>
+            <a:pPr marL="342900" indent="-342900">
+              <a:buFont typeface="+mj-lt"/>
+              <a:buAutoNum type="arabicPeriod"/>
+            </a:pPr>
+            <a:r>
+              <a:rPr lang="en-US" dirty="0" smtClean="0"/>
+              <a:t>Size of GBT enlarged</a:t>
+            </a:r>
+          </a:p>
+          <a:p>
+            <a:pPr marL="342900" indent="-342900">
+              <a:buFont typeface="+mj-lt"/>
+              <a:buAutoNum type="arabicPeriod"/>
+            </a:pPr>
+            <a:r>
+              <a:rPr lang="en-US" dirty="0" smtClean="0"/>
+              <a:t>Damage improvement</a:t>
+            </a:r>
+          </a:p>
+          <a:p>
+            <a:pPr marL="342900" indent="-342900">
+              <a:buFont typeface="+mj-lt"/>
+              <a:buAutoNum type="arabicPeriod"/>
+            </a:pPr>
+            <a:r>
+              <a:rPr lang="en-US" dirty="0" smtClean="0"/>
+              <a:t>Elemental effects</a:t>
+            </a:r>
+          </a:p>
+          <a:p>
+            <a:pPr marL="342900" indent="-342900">
+              <a:buFont typeface="+mj-lt"/>
+              <a:buAutoNum type="arabicPeriod"/>
+            </a:pPr>
+            <a:r>
+              <a:rPr lang="en-US" dirty="0" smtClean="0"/>
+              <a:t>Burst Shots</a:t>
+            </a:r>
+          </a:p>
+          <a:p>
+            <a:pPr marL="342900" indent="-342900">
+              <a:buFont typeface="+mj-lt"/>
+              <a:buAutoNum type="arabicPeriod"/>
+            </a:pPr>
+            <a:r>
+              <a:rPr lang="en-US" dirty="0" smtClean="0"/>
+              <a:t>Radius Explosion</a:t>
+            </a:r>
+            <a:endParaRPr lang="en-US" dirty="0"/>
+          </a:p>
+        </p:txBody>
+      </p:sp>
       <p:pic>
         <p:nvPicPr>
-          <p:cNvPr id="18" name="Picture 17"/>
+          <p:cNvPr id="1028" name="Picture 4" descr=" glowing GIF"/>
           <p:cNvPicPr>
-            <a:picLocks noChangeAspect="1"/>
+            <a:picLocks noChangeAspect="1" noChangeArrowheads="1" noCrop="1"/>
           </p:cNvPicPr>
           <p:nvPr/>
         </p:nvPicPr>
         <p:blipFill>
-          <a:blip r:embed="rId2"/>
+          <a:blip r:embed="rId2">
+            <a:extLst>
+              <a:ext uri="{28A0092B-C50C-407E-A947-70E740481C1C}">
+                <a14:useLocalDpi xmlns:a14="http://schemas.microsoft.com/office/drawing/2010/main" val="0"/>
+              </a:ext>
+            </a:extLst>
+          </a:blip>
+          <a:srcRect/>
           <a:stretch>
             <a:fillRect/>
           </a:stretch>
         </p:blipFill>
-        <p:spPr>
-          <a:xfrm>
-            <a:off x="825314" y="739317"/>
-            <a:ext cx="895350" cy="4991100"/>
+        <p:spPr bwMode="auto">
+          <a:xfrm>
+            <a:off x="7235824" y="2333625"/>
+            <a:ext cx="3759200" cy="3759200"/>
           </a:xfrm>
           <a:prstGeom prst="rect">
             <a:avLst/>
           </a:prstGeom>
+          <a:noFill/>
+          <a:extLst>
+            <a:ext uri="{909E8E84-426E-40DD-AFC4-6F175D3DCCD1}">
+              <a14:hiddenFill xmlns:a14="http://schemas.microsoft.com/office/drawing/2010/main">
+                <a:solidFill>
+                  <a:srgbClr val="FFFFFF"/>
+                </a:solidFill>
+              </a14:hiddenFill>
+            </a:ext>
+          </a:extLst>
         </p:spPr>
       </p:pic>
-      <p:sp>
-        <p:nvSpPr>
-          <p:cNvPr id="15" name="Rectangle 14"/>
-          <p:cNvSpPr/>
-          <p:nvPr/>
-        </p:nvSpPr>
-        <p:spPr>
-          <a:xfrm>
-            <a:off x="2807745" y="1948070"/>
-            <a:ext cx="6151463" cy="2274306"/>
-          </a:xfrm>
-          <a:prstGeom prst="rect">
-            <a:avLst/>
-          </a:prstGeom>
-          <a:noFill/>
-        </p:spPr>
-        <p:style>
-          <a:lnRef idx="2">
-            <a:schemeClr val="accent1">
-              <a:shade val="50000"/>
-            </a:schemeClr>
-          </a:lnRef>
-          <a:fillRef idx="1">
-            <a:schemeClr val="accent1"/>
-          </a:fillRef>
-          <a:effectRef idx="0">
-            <a:schemeClr val="accent1"/>
-          </a:effectRef>
-          <a:fontRef idx="minor">
-            <a:schemeClr val="lt1"/>
-          </a:fontRef>
-        </p:style>
-        <p:txBody>
-          <a:bodyPr rtlCol="0" anchor="ctr"/>
-          <a:lstStyle/>
-          <a:p>
-            <a:pPr algn="ctr"/>
-            <a:endParaRPr lang="en-US"/>
-          </a:p>
-        </p:txBody>
-      </p:sp>
-      <p:cxnSp>
-        <p:nvCxnSpPr>
-          <p:cNvPr id="8" name="Straight Connector 7"/>
-          <p:cNvCxnSpPr/>
-          <p:nvPr/>
-        </p:nvCxnSpPr>
-        <p:spPr>
-          <a:xfrm>
-            <a:off x="8959208" y="4222376"/>
-            <a:ext cx="2067380" cy="2043954"/>
-          </a:xfrm>
-          <a:prstGeom prst="line">
-            <a:avLst/>
-          </a:prstGeom>
-        </p:spPr>
-        <p:style>
-          <a:lnRef idx="1">
-            <a:schemeClr val="accent1"/>
-          </a:lnRef>
-          <a:fillRef idx="0">
-            <a:schemeClr val="accent1"/>
-          </a:fillRef>
-          <a:effectRef idx="0">
-            <a:schemeClr val="accent1"/>
-          </a:effectRef>
-          <a:fontRef idx="minor">
-            <a:schemeClr val="tx1"/>
-          </a:fontRef>
-        </p:style>
-      </p:cxnSp>
-      <p:cxnSp>
-        <p:nvCxnSpPr>
-          <p:cNvPr id="9" name="Straight Connector 8"/>
-          <p:cNvCxnSpPr/>
-          <p:nvPr/>
-        </p:nvCxnSpPr>
-        <p:spPr>
-          <a:xfrm flipV="1">
-            <a:off x="815788" y="4239547"/>
-            <a:ext cx="2021542" cy="2044712"/>
-          </a:xfrm>
-          <a:prstGeom prst="line">
-            <a:avLst/>
-          </a:prstGeom>
-        </p:spPr>
-        <p:style>
-          <a:lnRef idx="1">
-            <a:schemeClr val="accent1"/>
-          </a:lnRef>
-          <a:fillRef idx="0">
-            <a:schemeClr val="accent1"/>
-          </a:fillRef>
-          <a:effectRef idx="0">
-            <a:schemeClr val="accent1"/>
-          </a:effectRef>
-          <a:fontRef idx="minor">
-            <a:schemeClr val="tx1"/>
-          </a:fontRef>
-        </p:style>
-      </p:cxnSp>
-      <p:cxnSp>
-        <p:nvCxnSpPr>
-          <p:cNvPr id="10" name="Straight Connector 9"/>
-          <p:cNvCxnSpPr/>
-          <p:nvPr/>
-        </p:nvCxnSpPr>
-        <p:spPr>
-          <a:xfrm>
-            <a:off x="1290918" y="448430"/>
-            <a:ext cx="1516827" cy="1499640"/>
-          </a:xfrm>
-          <a:prstGeom prst="line">
-            <a:avLst/>
-          </a:prstGeom>
-        </p:spPr>
-        <p:style>
-          <a:lnRef idx="1">
-            <a:schemeClr val="accent1"/>
-          </a:lnRef>
-          <a:fillRef idx="0">
-            <a:schemeClr val="accent1"/>
-          </a:fillRef>
-          <a:effectRef idx="0">
-            <a:schemeClr val="accent1"/>
-          </a:effectRef>
-          <a:fontRef idx="minor">
-            <a:schemeClr val="tx1"/>
-          </a:fontRef>
-        </p:style>
-      </p:cxnSp>
-      <p:cxnSp>
-        <p:nvCxnSpPr>
-          <p:cNvPr id="14" name="Straight Connector 13"/>
-          <p:cNvCxnSpPr/>
-          <p:nvPr/>
-        </p:nvCxnSpPr>
-        <p:spPr>
-          <a:xfrm rot="5400000">
-            <a:off x="8950616" y="465794"/>
-            <a:ext cx="1516827" cy="1499640"/>
-          </a:xfrm>
-          <a:prstGeom prst="line">
-            <a:avLst/>
-          </a:prstGeom>
-        </p:spPr>
-        <p:style>
-          <a:lnRef idx="1">
-            <a:schemeClr val="accent1"/>
-          </a:lnRef>
-          <a:fillRef idx="0">
-            <a:schemeClr val="accent1"/>
-          </a:fillRef>
-          <a:effectRef idx="0">
-            <a:schemeClr val="accent1"/>
-          </a:effectRef>
-          <a:fontRef idx="minor">
-            <a:schemeClr val="tx1"/>
-          </a:fontRef>
-        </p:style>
-      </p:cxnSp>
-      <p:sp>
-        <p:nvSpPr>
-          <p:cNvPr id="2" name="Rectangle 1"/>
-          <p:cNvSpPr/>
-          <p:nvPr/>
-        </p:nvSpPr>
-        <p:spPr>
-          <a:xfrm>
-            <a:off x="815788" y="457200"/>
-            <a:ext cx="10192871" cy="5827059"/>
-          </a:xfrm>
-          <a:prstGeom prst="rect">
-            <a:avLst/>
-          </a:prstGeom>
-          <a:noFill/>
-        </p:spPr>
-        <p:style>
-          <a:lnRef idx="2">
-            <a:schemeClr val="accent1">
-              <a:shade val="50000"/>
-            </a:schemeClr>
-          </a:lnRef>
-          <a:fillRef idx="1">
-            <a:schemeClr val="accent1"/>
-          </a:fillRef>
-          <a:effectRef idx="0">
-            <a:schemeClr val="accent1"/>
-          </a:effectRef>
-          <a:fontRef idx="minor">
-            <a:schemeClr val="lt1"/>
-          </a:fontRef>
-        </p:style>
-        <p:txBody>
-          <a:bodyPr rtlCol="0" anchor="ctr"/>
-          <a:lstStyle/>
-          <a:p>
-            <a:pPr algn="ctr"/>
-            <a:endParaRPr lang="en-US"/>
-          </a:p>
-        </p:txBody>
-      </p:sp>
-      <p:sp>
-        <p:nvSpPr>
-          <p:cNvPr id="3" name="Oval 2"/>
-          <p:cNvSpPr/>
-          <p:nvPr/>
-        </p:nvSpPr>
-        <p:spPr>
-          <a:xfrm>
-            <a:off x="1075765" y="5369859"/>
-            <a:ext cx="699247" cy="699247"/>
-          </a:xfrm>
-          <a:prstGeom prst="ellipse">
-            <a:avLst/>
-          </a:prstGeom>
-          <a:solidFill>
-            <a:schemeClr val="bg1">
-              <a:lumMod val="85000"/>
-            </a:schemeClr>
-          </a:solidFill>
-          <a:ln>
-            <a:solidFill>
-              <a:schemeClr val="bg1">
-                <a:lumMod val="75000"/>
-              </a:schemeClr>
-            </a:solidFill>
-          </a:ln>
-          <a:effectLst>
-            <a:glow rad="228600">
-              <a:schemeClr val="accent3">
-                <a:satMod val="175000"/>
-                <a:alpha val="40000"/>
-              </a:schemeClr>
-            </a:glow>
-            <a:softEdge rad="63500"/>
-          </a:effectLst>
-        </p:spPr>
-        <p:style>
-          <a:lnRef idx="2">
-            <a:schemeClr val="accent1">
-              <a:shade val="50000"/>
-            </a:schemeClr>
-          </a:lnRef>
-          <a:fillRef idx="1">
-            <a:schemeClr val="accent1"/>
-          </a:fillRef>
-          <a:effectRef idx="0">
-            <a:schemeClr val="accent1"/>
-          </a:effectRef>
-          <a:fontRef idx="minor">
-            <a:schemeClr val="lt1"/>
-          </a:fontRef>
-        </p:style>
-        <p:txBody>
-          <a:bodyPr rtlCol="0" anchor="ctr"/>
-          <a:lstStyle/>
-          <a:p>
-            <a:pPr algn="ctr"/>
-            <a:endParaRPr lang="en-US"/>
-          </a:p>
-        </p:txBody>
-      </p:sp>
-      <p:pic>
-        <p:nvPicPr>
-          <p:cNvPr id="5" name="Picture 4"/>
-          <p:cNvPicPr>
-            <a:picLocks noChangeAspect="1"/>
-          </p:cNvPicPr>
-          <p:nvPr/>
-        </p:nvPicPr>
-        <p:blipFill>
-          <a:blip r:embed="rId3"/>
-          <a:stretch>
-            <a:fillRect/>
-          </a:stretch>
-        </p:blipFill>
-        <p:spPr>
-          <a:xfrm>
-            <a:off x="10293488" y="618005"/>
-            <a:ext cx="544000" cy="439830"/>
-          </a:xfrm>
-          <a:prstGeom prst="rect">
-            <a:avLst/>
-          </a:prstGeom>
-        </p:spPr>
-      </p:pic>
-      <p:pic>
-        <p:nvPicPr>
-          <p:cNvPr id="17" name="Picture 16"/>
-          <p:cNvPicPr>
-            <a:picLocks noChangeAspect="1"/>
-          </p:cNvPicPr>
-          <p:nvPr/>
-        </p:nvPicPr>
-        <p:blipFill>
-          <a:blip r:embed="rId4"/>
-          <a:stretch>
-            <a:fillRect/>
-          </a:stretch>
-        </p:blipFill>
-        <p:spPr>
-          <a:xfrm>
-            <a:off x="3424911" y="2464903"/>
-            <a:ext cx="783123" cy="1757473"/>
-          </a:xfrm>
-          <a:prstGeom prst="rect">
-            <a:avLst/>
-          </a:prstGeom>
-        </p:spPr>
-      </p:pic>
-      <p:pic>
-        <p:nvPicPr>
-          <p:cNvPr id="4" name="Picture 3"/>
-          <p:cNvPicPr>
-            <a:picLocks noChangeAspect="1"/>
-          </p:cNvPicPr>
-          <p:nvPr/>
-        </p:nvPicPr>
-        <p:blipFill>
-          <a:blip r:embed="rId5">
-            <a:clrChange>
-              <a:clrFrom>
-                <a:srgbClr val="FFFFFF"/>
-              </a:clrFrom>
-              <a:clrTo>
-                <a:srgbClr val="FFFFFF">
-                  <a:alpha val="0"/>
-                </a:srgbClr>
-              </a:clrTo>
-            </a:clrChange>
-          </a:blip>
-          <a:stretch>
-            <a:fillRect/>
-          </a:stretch>
-        </p:blipFill>
-        <p:spPr>
-          <a:xfrm>
-            <a:off x="10312843" y="5358217"/>
-            <a:ext cx="505289" cy="744399"/>
-          </a:xfrm>
-          <a:prstGeom prst="rect">
-            <a:avLst/>
-          </a:prstGeom>
-        </p:spPr>
-      </p:pic>
-      <p:sp>
-        <p:nvSpPr>
-          <p:cNvPr id="19" name="TextBox 18"/>
-          <p:cNvSpPr txBox="1"/>
-          <p:nvPr/>
-        </p:nvSpPr>
-        <p:spPr>
-          <a:xfrm>
-            <a:off x="4969496" y="828918"/>
-            <a:ext cx="1885453" cy="369332"/>
-          </a:xfrm>
-          <a:prstGeom prst="rect">
-            <a:avLst/>
-          </a:prstGeom>
-          <a:noFill/>
-        </p:spPr>
-        <p:txBody>
-          <a:bodyPr wrap="none" rtlCol="0">
-            <a:spAutoFit/>
-          </a:bodyPr>
-          <a:lstStyle/>
-          <a:p>
-            <a:r>
-              <a:rPr lang="en-US" dirty="0" smtClean="0"/>
-              <a:t>Human - Sneaking</a:t>
-            </a:r>
-            <a:endParaRPr lang="en-US" dirty="0"/>
-          </a:p>
-        </p:txBody>
-      </p:sp>
     </p:spTree>
     <p:extLst>
       <p:ext uri="{BB962C8B-B14F-4D97-AF65-F5344CB8AC3E}">
-        <p14:creationId xmlns:p14="http://schemas.microsoft.com/office/powerpoint/2010/main" val="2491415259"/>
+        <p14:creationId xmlns:p14="http://schemas.microsoft.com/office/powerpoint/2010/main" val="2926728468"/>
       </p:ext>
     </p:extLst>
   </p:cSld>
   <p:clrMapOvr>
     <a:masterClrMapping/>
   </p:clrMapOvr>
+  <p:timing>
+    <p:tnLst>
+      <p:par>
+        <p:cTn id="1" dur="indefinite" restart="never" nodeType="tmRoot"/>
+      </p:par>
+    </p:tnLst>
+  </p:timing>
+</p:sld>
+</file>
+
+<file path=ppt/slides/slide12.xml><?xml version="1.0" encoding="utf-8"?>
+<p:sld xmlns:a="http://schemas.openxmlformats.org/drawingml/2006/main" xmlns:r="http://schemas.openxmlformats.org/officeDocument/2006/relationships" xmlns:p="http://schemas.openxmlformats.org/presentationml/2006/main">
+  <p:cSld>
+    <p:spTree>
+      <p:nvGrpSpPr>
+        <p:cNvPr id="1" name=""/>
+        <p:cNvGrpSpPr/>
+        <p:nvPr/>
+      </p:nvGrpSpPr>
+      <p:grpSpPr>
+        <a:xfrm>
+          <a:off x="0" y="0"/>
+          <a:ext cx="0" cy="0"/>
+          <a:chOff x="0" y="0"/>
+          <a:chExt cx="0" cy="0"/>
+        </a:xfrm>
+      </p:grpSpPr>
+      <p:sp>
+        <p:nvSpPr>
+          <p:cNvPr id="2" name="Title 1"/>
+          <p:cNvSpPr>
+            <a:spLocks noGrp="1"/>
+          </p:cNvSpPr>
+          <p:nvPr>
+            <p:ph type="title"/>
+          </p:nvPr>
+        </p:nvSpPr>
+        <p:spPr/>
+        <p:txBody>
+          <a:bodyPr/>
+          <a:lstStyle/>
+          <a:p>
+            <a:pPr algn="ctr"/>
+            <a:r>
+              <a:rPr lang="en-US" dirty="0" smtClean="0"/>
+              <a:t>Timeline/Breakout</a:t>
+            </a:r>
+            <a:endParaRPr lang="en-US" dirty="0"/>
+          </a:p>
+        </p:txBody>
+      </p:sp>
+      <p:sp>
+        <p:nvSpPr>
+          <p:cNvPr id="3" name="Content Placeholder 2"/>
+          <p:cNvSpPr>
+            <a:spLocks noGrp="1"/>
+          </p:cNvSpPr>
+          <p:nvPr>
+            <p:ph idx="1"/>
+          </p:nvPr>
+        </p:nvSpPr>
+        <p:spPr>
+          <a:xfrm>
+            <a:off x="838200" y="1825625"/>
+            <a:ext cx="6387353" cy="4351338"/>
+          </a:xfrm>
+        </p:spPr>
+        <p:txBody>
+          <a:bodyPr>
+            <a:normAutofit lnSpcReduction="10000"/>
+          </a:bodyPr>
+          <a:lstStyle/>
+          <a:p>
+            <a:r>
+              <a:rPr lang="en-US" dirty="0" smtClean="0"/>
+              <a:t>Prototyping</a:t>
+            </a:r>
+          </a:p>
+          <a:p>
+            <a:pPr lvl="1"/>
+            <a:r>
+              <a:rPr lang="en-US" dirty="0" smtClean="0"/>
+              <a:t>2 weeks – Done by </a:t>
+            </a:r>
+            <a:r>
+              <a:rPr lang="en-US" dirty="0"/>
+              <a:t>J</a:t>
+            </a:r>
+            <a:r>
+              <a:rPr lang="en-US" dirty="0" smtClean="0"/>
+              <a:t>une 5th</a:t>
+            </a:r>
+          </a:p>
+          <a:p>
+            <a:pPr lvl="1"/>
+            <a:r>
+              <a:rPr lang="en-US" dirty="0" smtClean="0"/>
+              <a:t>32 hours of design @ 8hrs/person</a:t>
+            </a:r>
+          </a:p>
+          <a:p>
+            <a:r>
+              <a:rPr lang="en-US" dirty="0" smtClean="0"/>
+              <a:t>Playable demo/Alpha:</a:t>
+            </a:r>
+          </a:p>
+          <a:p>
+            <a:pPr lvl="1"/>
+            <a:r>
+              <a:rPr lang="en-US" dirty="0" smtClean="0"/>
+              <a:t>1 week – Done by June 12th</a:t>
+            </a:r>
+          </a:p>
+          <a:p>
+            <a:pPr lvl="1"/>
+            <a:r>
+              <a:rPr lang="en-US" dirty="0" smtClean="0"/>
+              <a:t>16 hours of major polishing @ 4hrs/person</a:t>
+            </a:r>
+          </a:p>
+          <a:p>
+            <a:r>
+              <a:rPr lang="en-US" dirty="0" smtClean="0"/>
+              <a:t>Beta:</a:t>
+            </a:r>
+          </a:p>
+          <a:p>
+            <a:pPr lvl="1"/>
+            <a:r>
+              <a:rPr lang="en-US" dirty="0" smtClean="0"/>
+              <a:t>1 week – Done by June 19th</a:t>
+            </a:r>
+          </a:p>
+          <a:p>
+            <a:pPr lvl="1"/>
+            <a:r>
+              <a:rPr lang="en-US" dirty="0" smtClean="0"/>
+              <a:t>16 hours of other polishing @ 4hrs/person</a:t>
+            </a:r>
+          </a:p>
+          <a:p>
+            <a:r>
+              <a:rPr lang="en-US" dirty="0" smtClean="0"/>
+              <a:t>Final Release:</a:t>
+            </a:r>
+          </a:p>
+          <a:p>
+            <a:pPr lvl="1"/>
+            <a:r>
+              <a:rPr lang="en-US" dirty="0" smtClean="0"/>
+              <a:t>Remaining time until Jun 23rd</a:t>
+            </a:r>
+          </a:p>
+          <a:p>
+            <a:endParaRPr lang="en-US" dirty="0"/>
+          </a:p>
+        </p:txBody>
+      </p:sp>
+    </p:spTree>
+    <p:extLst>
+      <p:ext uri="{BB962C8B-B14F-4D97-AF65-F5344CB8AC3E}">
+        <p14:creationId xmlns:p14="http://schemas.microsoft.com/office/powerpoint/2010/main" val="1667030864"/>
+      </p:ext>
+    </p:extLst>
+  </p:cSld>
+  <p:clrMapOvr>
+    <a:masterClrMapping/>
+  </p:clrMapOvr>
+  <p:timing>
+    <p:tnLst>
+      <p:par>
+        <p:cTn id="1" dur="indefinite" restart="never" nodeType="tmRoot"/>
+      </p:par>
+    </p:tnLst>
+  </p:timing>
 </p:sld>
 </file>
 
@@ -4005,7 +4119,7 @@
         <p:spPr>
           <a:xfrm>
             <a:off x="666750" y="714375"/>
-            <a:ext cx="10963275" cy="3877985"/>
+            <a:ext cx="10963275" cy="1846659"/>
           </a:xfrm>
           <a:prstGeom prst="rect">
             <a:avLst/>
@@ -4020,19 +4134,38 @@
           <a:p>
             <a:r>
               <a:rPr lang="en-US" sz="2400" b="1" dirty="0" smtClean="0"/>
-              <a:t>Princess Bunhead Storyline</a:t>
-            </a:r>
+              <a:t>Demon Princess Storyline</a:t>
+            </a:r>
+            <a:endParaRPr lang="en-US" sz="2400" b="1" dirty="0" smtClean="0"/>
           </a:p>
           <a:p>
             <a:r>
               <a:rPr lang="en-US" dirty="0" smtClean="0"/>
-              <a:t>Bunhead is tired of not being rescued by her Italian Plumber Boyfriend, and has decided to break herself out, as any</a:t>
-            </a:r>
-          </a:p>
-          <a:p>
+              <a:t>The Princess </a:t>
+            </a:r>
             <a:r>
               <a:rPr lang="en-US" dirty="0" smtClean="0"/>
-              <a:t>self-empowered female would. She looks out a window and sees a flash, and her inner power explodes open the door of where she was being held. She then realizes that she has the power to create </a:t>
+              <a:t>is </a:t>
+            </a:r>
+            <a:r>
+              <a:rPr lang="en-US" dirty="0" smtClean="0"/>
+              <a:t>tired of not being rescued by her Italian Plumber Boyfriend, and has decided to break herself out, as </a:t>
+            </a:r>
+            <a:r>
+              <a:rPr lang="en-US" dirty="0" smtClean="0"/>
+              <a:t>any self-empowered </a:t>
+            </a:r>
+            <a:r>
+              <a:rPr lang="en-US" dirty="0" smtClean="0"/>
+              <a:t>female would. She looks out a window and sees a flash, and her inner power explodes open the door </a:t>
+            </a:r>
+            <a:r>
+              <a:rPr lang="en-US" dirty="0" smtClean="0"/>
+              <a:t>of the room where </a:t>
+            </a:r>
+            <a:r>
+              <a:rPr lang="en-US" dirty="0" smtClean="0"/>
+              <a:t>she was being held. She then realizes that she has the power to create </a:t>
             </a:r>
             <a:r>
               <a:rPr lang="en-US" dirty="0" err="1" smtClean="0"/>
@@ -4040,93 +4173,13 @@
             </a:r>
             <a:r>
               <a:rPr lang="en-US" dirty="0" smtClean="0"/>
-              <a:t>-Bally-Thingy’s (GBT’s). She ventures into the next room(s), finding that the doors are locked. From there, the tutorial begins…</a:t>
-            </a:r>
-          </a:p>
-          <a:p>
-            <a:endParaRPr lang="en-US" dirty="0"/>
-          </a:p>
-          <a:p>
-            <a:r>
-              <a:rPr lang="en-US" sz="2400" b="1" dirty="0" smtClean="0"/>
-              <a:t>Tutorial Details:</a:t>
-            </a:r>
-          </a:p>
-          <a:p>
-            <a:pPr marL="342900" indent="-342900">
-              <a:buFont typeface="+mj-lt"/>
-              <a:buAutoNum type="arabicPeriod"/>
-            </a:pPr>
+              <a:t>-Bally-Thingy’s (GBT’s). She ventures into the next room(s), finding that the doors are locked. From there, the tutorial begins</a:t>
+            </a:r>
             <a:r>
               <a:rPr lang="en-US" dirty="0" smtClean="0"/>
-              <a:t>In Start room, allow player to get used to moving.</a:t>
-            </a:r>
-          </a:p>
-          <a:p>
-            <a:pPr marL="342900" indent="-342900">
-              <a:buFont typeface="+mj-lt"/>
-              <a:buAutoNum type="arabicPeriod"/>
-            </a:pPr>
-            <a:r>
-              <a:rPr lang="en-US" dirty="0" smtClean="0"/>
-              <a:t>In next room, gain power of shooting </a:t>
-            </a:r>
-            <a:r>
-              <a:rPr lang="en-US" dirty="0" err="1" smtClean="0"/>
-              <a:t>glowy</a:t>
-            </a:r>
-            <a:r>
-              <a:rPr lang="en-US" dirty="0" smtClean="0"/>
-              <a:t> ball-y thingy</a:t>
-            </a:r>
-          </a:p>
-          <a:p>
-            <a:pPr marL="342900" indent="-342900">
-              <a:buFont typeface="+mj-lt"/>
-              <a:buAutoNum type="arabicPeriod"/>
-            </a:pPr>
-            <a:r>
-              <a:rPr lang="en-US" dirty="0" smtClean="0"/>
-              <a:t>In 3rd room have 2 locked doors, one made of metal, the other wood.</a:t>
-            </a:r>
-          </a:p>
-          <a:p>
-            <a:pPr marL="800100" lvl="1" indent="-342900">
-              <a:buFont typeface="Arial" panose="020B0604020202020204" pitchFamily="34" charset="0"/>
-              <a:buChar char="•"/>
-            </a:pPr>
-            <a:r>
-              <a:rPr lang="en-US" dirty="0" smtClean="0"/>
-              <a:t>Knock down wooden door with power</a:t>
-            </a:r>
-          </a:p>
-          <a:p>
-            <a:pPr marL="800100" lvl="1" indent="-342900">
-              <a:buFont typeface="Arial" panose="020B0604020202020204" pitchFamily="34" charset="0"/>
-              <a:buChar char="•"/>
-            </a:pPr>
-            <a:r>
-              <a:rPr lang="en-US" dirty="0" smtClean="0"/>
-              <a:t>Obtain key from Guard in Room</a:t>
-            </a:r>
-          </a:p>
-          <a:p>
-            <a:pPr marL="342900" indent="-342900">
-              <a:buFont typeface="+mj-lt"/>
-              <a:buAutoNum type="arabicPeriod"/>
-            </a:pPr>
-            <a:r>
-              <a:rPr lang="en-US" dirty="0" smtClean="0"/>
-              <a:t>Key unlocks metal door from 3</a:t>
-            </a:r>
-            <a:r>
-              <a:rPr lang="en-US" baseline="30000" dirty="0" smtClean="0"/>
-              <a:t>rd</a:t>
-            </a:r>
-            <a:r>
-              <a:rPr lang="en-US" dirty="0" smtClean="0"/>
-              <a:t> room</a:t>
-            </a:r>
+              <a:t>…</a:t>
+            </a:r>
+            <a:endParaRPr lang="en-US" dirty="0" smtClean="0"/>
           </a:p>
         </p:txBody>
       </p:sp>
@@ -4153,7 +4206,7 @@
         </p:blipFill>
         <p:spPr bwMode="auto">
           <a:xfrm>
-            <a:off x="7785100" y="2437031"/>
+            <a:off x="4287837" y="2561034"/>
             <a:ext cx="3721100" cy="3721100"/>
           </a:xfrm>
           <a:prstGeom prst="rect">
@@ -4216,7 +4269,7 @@
         </p:nvSpPr>
         <p:spPr>
           <a:xfrm>
-            <a:off x="2667000" y="5619750"/>
+            <a:off x="5250691" y="5529134"/>
             <a:ext cx="1381125" cy="847725"/>
           </a:xfrm>
           <a:prstGeom prst="rect">
@@ -4260,7 +4313,7 @@
         </p:nvSpPr>
         <p:spPr>
           <a:xfrm>
-            <a:off x="2667000" y="4276725"/>
+            <a:off x="5250691" y="4186109"/>
             <a:ext cx="1381125" cy="847725"/>
           </a:xfrm>
           <a:prstGeom prst="rect">
@@ -4311,7 +4364,7 @@
         </p:nvSpPr>
         <p:spPr>
           <a:xfrm>
-            <a:off x="4629150" y="4276725"/>
+            <a:off x="7212841" y="4186109"/>
             <a:ext cx="1381125" cy="847725"/>
           </a:xfrm>
           <a:prstGeom prst="rect">
@@ -4351,7 +4404,7 @@
         </p:nvSpPr>
         <p:spPr>
           <a:xfrm>
-            <a:off x="6781800" y="4276725"/>
+            <a:off x="9365491" y="4186109"/>
             <a:ext cx="1381125" cy="847725"/>
           </a:xfrm>
           <a:prstGeom prst="rect">
@@ -4402,7 +4455,7 @@
         </p:nvSpPr>
         <p:spPr>
           <a:xfrm>
-            <a:off x="4629150" y="1752600"/>
+            <a:off x="7212841" y="1661984"/>
             <a:ext cx="4224338" cy="2047875"/>
           </a:xfrm>
           <a:prstGeom prst="rect">
@@ -4449,7 +4502,7 @@
         </p:nvCxnSpPr>
         <p:spPr>
           <a:xfrm flipV="1">
-            <a:off x="3357563" y="5124450"/>
+            <a:off x="5941254" y="5033834"/>
             <a:ext cx="0" cy="495300"/>
           </a:xfrm>
           <a:prstGeom prst="straightConnector1">
@@ -4485,7 +4538,7 @@
         </p:nvCxnSpPr>
         <p:spPr>
           <a:xfrm>
-            <a:off x="4048125" y="4700588"/>
+            <a:off x="6631816" y="4609972"/>
             <a:ext cx="581025" cy="0"/>
           </a:xfrm>
           <a:prstGeom prst="straightConnector1">
@@ -4521,7 +4574,7 @@
         </p:nvCxnSpPr>
         <p:spPr>
           <a:xfrm>
-            <a:off x="6010275" y="4700588"/>
+            <a:off x="8593966" y="4609972"/>
             <a:ext cx="771525" cy="0"/>
           </a:xfrm>
           <a:prstGeom prst="straightConnector1">
@@ -4556,7 +4609,7 @@
         </p:nvCxnSpPr>
         <p:spPr>
           <a:xfrm flipH="1" flipV="1">
-            <a:off x="5319712" y="3800475"/>
+            <a:off x="7903403" y="3709859"/>
             <a:ext cx="1" cy="476250"/>
           </a:xfrm>
           <a:prstGeom prst="straightConnector1">
@@ -4597,7 +4650,7 @@
         </p:blipFill>
         <p:spPr>
           <a:xfrm>
-            <a:off x="5192854" y="3945731"/>
+            <a:off x="7776545" y="3855115"/>
             <a:ext cx="253716" cy="304800"/>
           </a:xfrm>
           <a:prstGeom prst="rect">
@@ -4629,7 +4682,7 @@
         </p:blipFill>
         <p:spPr>
           <a:xfrm>
-            <a:off x="6096000" y="4548187"/>
+            <a:off x="8679691" y="4457571"/>
             <a:ext cx="253716" cy="304800"/>
           </a:xfrm>
           <a:prstGeom prst="rect">
@@ -4647,7 +4700,7 @@
         </p:nvCxnSpPr>
         <p:spPr>
           <a:xfrm rot="16200000" flipH="1">
-            <a:off x="6361835" y="4714009"/>
+            <a:off x="8945526" y="4623393"/>
             <a:ext cx="766763" cy="1044717"/>
           </a:xfrm>
           <a:prstGeom prst="bentConnector2">
@@ -4680,7 +4733,7 @@
         </p:nvSpPr>
         <p:spPr>
           <a:xfrm>
-            <a:off x="7267575" y="5338761"/>
+            <a:off x="9851266" y="5248145"/>
             <a:ext cx="1323975" cy="561975"/>
           </a:xfrm>
           <a:prstGeom prst="roundRect">
@@ -4731,7 +4784,7 @@
         </p:nvSpPr>
         <p:spPr>
           <a:xfrm>
-            <a:off x="2962275" y="2600325"/>
+            <a:off x="5545966" y="2509709"/>
             <a:ext cx="1666875" cy="361950"/>
           </a:xfrm>
           <a:prstGeom prst="rect">
@@ -4793,6 +4846,118 @@
               <a:rPr lang="en-US" dirty="0" smtClean="0"/>
               <a:t>TUTORIAL SECTION</a:t>
             </a:r>
+            <a:endParaRPr lang="en-US" dirty="0"/>
+          </a:p>
+        </p:txBody>
+      </p:sp>
+      <p:sp>
+        <p:nvSpPr>
+          <p:cNvPr id="7" name="TextBox 6"/>
+          <p:cNvSpPr txBox="1"/>
+          <p:nvPr/>
+        </p:nvSpPr>
+        <p:spPr>
+          <a:xfrm>
+            <a:off x="502508" y="1738184"/>
+            <a:ext cx="4271933" cy="3508653"/>
+          </a:xfrm>
+          <a:prstGeom prst="rect">
+            <a:avLst/>
+          </a:prstGeom>
+          <a:noFill/>
+        </p:spPr>
+        <p:txBody>
+          <a:bodyPr wrap="square" rtlCol="0">
+            <a:spAutoFit/>
+          </a:bodyPr>
+          <a:lstStyle/>
+          <a:p>
+            <a:r>
+              <a:rPr lang="en-US" sz="2400" b="1" dirty="0" smtClean="0"/>
+              <a:t>Tutorial </a:t>
+            </a:r>
+            <a:r>
+              <a:rPr lang="en-US" sz="2400" b="1" dirty="0"/>
+              <a:t>Details:</a:t>
+            </a:r>
+          </a:p>
+          <a:p>
+            <a:pPr marL="342900" indent="-342900">
+              <a:buFont typeface="+mj-lt"/>
+              <a:buAutoNum type="arabicPeriod"/>
+            </a:pPr>
+            <a:r>
+              <a:rPr lang="en-US" dirty="0"/>
+              <a:t>In Start room, allow player to get used to moving.</a:t>
+            </a:r>
+          </a:p>
+          <a:p>
+            <a:pPr marL="342900" indent="-342900">
+              <a:buFont typeface="+mj-lt"/>
+              <a:buAutoNum type="arabicPeriod"/>
+            </a:pPr>
+            <a:r>
+              <a:rPr lang="en-US" dirty="0"/>
+              <a:t>In next room, gain power of shooting </a:t>
+            </a:r>
+            <a:r>
+              <a:rPr lang="en-US" dirty="0" err="1"/>
+              <a:t>glowy</a:t>
+            </a:r>
+            <a:r>
+              <a:rPr lang="en-US" dirty="0"/>
+              <a:t> ball-y thingy</a:t>
+            </a:r>
+          </a:p>
+          <a:p>
+            <a:pPr marL="342900" indent="-342900">
+              <a:buFont typeface="+mj-lt"/>
+              <a:buAutoNum type="arabicPeriod"/>
+            </a:pPr>
+            <a:r>
+              <a:rPr lang="en-US" dirty="0"/>
+              <a:t>In 3rd room have 2 locked doors, one made of metal, the other wood.</a:t>
+            </a:r>
+          </a:p>
+          <a:p>
+            <a:pPr marL="800100" lvl="1" indent="-342900">
+              <a:buFont typeface="Arial" panose="020B0604020202020204" pitchFamily="34" charset="0"/>
+              <a:buChar char="•"/>
+            </a:pPr>
+            <a:r>
+              <a:rPr lang="en-US" dirty="0"/>
+              <a:t>Knock down wooden door with power</a:t>
+            </a:r>
+          </a:p>
+          <a:p>
+            <a:pPr marL="800100" lvl="1" indent="-342900">
+              <a:buFont typeface="Arial" panose="020B0604020202020204" pitchFamily="34" charset="0"/>
+              <a:buChar char="•"/>
+            </a:pPr>
+            <a:r>
+              <a:rPr lang="en-US" dirty="0"/>
+              <a:t>Obtain key from Guard in Room</a:t>
+            </a:r>
+          </a:p>
+          <a:p>
+            <a:pPr marL="342900" indent="-342900">
+              <a:buFont typeface="+mj-lt"/>
+              <a:buAutoNum type="arabicPeriod"/>
+            </a:pPr>
+            <a:r>
+              <a:rPr lang="en-US" dirty="0"/>
+              <a:t>Key unlocks metal door from 3</a:t>
+            </a:r>
+            <a:r>
+              <a:rPr lang="en-US" baseline="30000" dirty="0"/>
+              <a:t>rd</a:t>
+            </a:r>
+            <a:r>
+              <a:rPr lang="en-US" dirty="0"/>
+              <a:t> room</a:t>
+            </a:r>
+          </a:p>
+          <a:p>
             <a:endParaRPr lang="en-US" dirty="0"/>
           </a:p>
         </p:txBody>
@@ -4836,14 +5001,402 @@
       </p:grpSpPr>
       <p:sp>
         <p:nvSpPr>
-          <p:cNvPr id="2" name="TextBox 1"/>
+          <p:cNvPr id="2" name="Rectangle 1"/>
+          <p:cNvSpPr/>
+          <p:nvPr/>
+        </p:nvSpPr>
+        <p:spPr>
+          <a:xfrm>
+            <a:off x="2122955" y="1664636"/>
+            <a:ext cx="3804957" cy="1517276"/>
+          </a:xfrm>
+          <a:prstGeom prst="rect">
+            <a:avLst/>
+          </a:prstGeom>
+        </p:spPr>
+        <p:style>
+          <a:lnRef idx="2">
+            <a:schemeClr val="accent1">
+              <a:shade val="50000"/>
+            </a:schemeClr>
+          </a:lnRef>
+          <a:fillRef idx="1">
+            <a:schemeClr val="accent1"/>
+          </a:fillRef>
+          <a:effectRef idx="0">
+            <a:schemeClr val="accent1"/>
+          </a:effectRef>
+          <a:fontRef idx="minor">
+            <a:schemeClr val="lt1"/>
+          </a:fontRef>
+        </p:style>
+        <p:txBody>
+          <a:bodyPr rtlCol="0" anchor="ctr"/>
+          <a:lstStyle/>
+          <a:p>
+            <a:pPr algn="ctr"/>
+            <a:r>
+              <a:rPr lang="en-US" dirty="0" smtClean="0"/>
+              <a:t>Room with Enemies</a:t>
+            </a:r>
+          </a:p>
+          <a:p>
+            <a:pPr algn="ctr"/>
+            <a:r>
+              <a:rPr lang="en-US" dirty="0" smtClean="0"/>
+              <a:t>INTENSE!!!</a:t>
+            </a:r>
+            <a:endParaRPr lang="en-US" dirty="0"/>
+          </a:p>
+        </p:txBody>
+      </p:sp>
+      <p:sp>
+        <p:nvSpPr>
+          <p:cNvPr id="3" name="Rectangle 2"/>
+          <p:cNvSpPr/>
+          <p:nvPr/>
+        </p:nvSpPr>
+        <p:spPr>
+          <a:xfrm>
+            <a:off x="621563" y="2561491"/>
+            <a:ext cx="1501392" cy="268170"/>
+          </a:xfrm>
+          <a:prstGeom prst="rect">
+            <a:avLst/>
+          </a:prstGeom>
+        </p:spPr>
+        <p:style>
+          <a:lnRef idx="2">
+            <a:schemeClr val="accent1">
+              <a:shade val="50000"/>
+            </a:schemeClr>
+          </a:lnRef>
+          <a:fillRef idx="1">
+            <a:schemeClr val="accent1"/>
+          </a:fillRef>
+          <a:effectRef idx="0">
+            <a:schemeClr val="accent1"/>
+          </a:effectRef>
+          <a:fontRef idx="minor">
+            <a:schemeClr val="lt1"/>
+          </a:fontRef>
+        </p:style>
+        <p:txBody>
+          <a:bodyPr rtlCol="0" anchor="ctr"/>
+          <a:lstStyle/>
+          <a:p>
+            <a:pPr algn="ctr"/>
+            <a:r>
+              <a:rPr lang="en-US" dirty="0" smtClean="0"/>
+              <a:t>STAIRS</a:t>
+            </a:r>
+            <a:endParaRPr lang="en-US" dirty="0"/>
+          </a:p>
+        </p:txBody>
+      </p:sp>
+      <p:sp>
+        <p:nvSpPr>
+          <p:cNvPr id="4" name="Rectangle 3"/>
+          <p:cNvSpPr/>
+          <p:nvPr/>
+        </p:nvSpPr>
+        <p:spPr>
+          <a:xfrm>
+            <a:off x="2122955" y="4699188"/>
+            <a:ext cx="3804957" cy="1517276"/>
+          </a:xfrm>
+          <a:prstGeom prst="rect">
+            <a:avLst/>
+          </a:prstGeom>
+        </p:spPr>
+        <p:style>
+          <a:lnRef idx="2">
+            <a:schemeClr val="accent1">
+              <a:shade val="50000"/>
+            </a:schemeClr>
+          </a:lnRef>
+          <a:fillRef idx="1">
+            <a:schemeClr val="accent1"/>
+          </a:fillRef>
+          <a:effectRef idx="0">
+            <a:schemeClr val="accent1"/>
+          </a:effectRef>
+          <a:fontRef idx="minor">
+            <a:schemeClr val="lt1"/>
+          </a:fontRef>
+        </p:style>
+        <p:txBody>
+          <a:bodyPr rtlCol="0" anchor="ctr"/>
+          <a:lstStyle/>
+          <a:p>
+            <a:pPr algn="ctr"/>
+            <a:r>
+              <a:rPr lang="en-US" dirty="0" smtClean="0"/>
+              <a:t>Final Room</a:t>
+            </a:r>
+            <a:endParaRPr lang="en-US" dirty="0"/>
+          </a:p>
+        </p:txBody>
+      </p:sp>
+      <p:sp>
+        <p:nvSpPr>
+          <p:cNvPr id="5" name="Rectangle 4"/>
+          <p:cNvSpPr/>
+          <p:nvPr/>
+        </p:nvSpPr>
+        <p:spPr>
+          <a:xfrm>
+            <a:off x="5927912" y="3181912"/>
+            <a:ext cx="3804957" cy="1517276"/>
+          </a:xfrm>
+          <a:prstGeom prst="rect">
+            <a:avLst/>
+          </a:prstGeom>
+        </p:spPr>
+        <p:style>
+          <a:lnRef idx="2">
+            <a:schemeClr val="accent1">
+              <a:shade val="50000"/>
+            </a:schemeClr>
+          </a:lnRef>
+          <a:fillRef idx="1">
+            <a:schemeClr val="accent1"/>
+          </a:fillRef>
+          <a:effectRef idx="0">
+            <a:schemeClr val="accent1"/>
+          </a:effectRef>
+          <a:fontRef idx="minor">
+            <a:schemeClr val="lt1"/>
+          </a:fontRef>
+        </p:style>
+        <p:txBody>
+          <a:bodyPr rtlCol="0" anchor="ctr"/>
+          <a:lstStyle/>
+          <a:p>
+            <a:pPr algn="ctr"/>
+            <a:r>
+              <a:rPr lang="en-US" dirty="0" smtClean="0"/>
+              <a:t>MULTIPLE ROOMS</a:t>
+            </a:r>
+          </a:p>
+          <a:p>
+            <a:pPr algn="ctr"/>
+            <a:r>
+              <a:rPr lang="en-US" dirty="0" smtClean="0"/>
+              <a:t>WITH DIFFERENT CHALLENGES</a:t>
+            </a:r>
+            <a:endParaRPr lang="en-US" dirty="0"/>
+          </a:p>
+        </p:txBody>
+      </p:sp>
+      <p:sp>
+        <p:nvSpPr>
+          <p:cNvPr id="6" name="Rectangle 5"/>
+          <p:cNvSpPr/>
+          <p:nvPr/>
+        </p:nvSpPr>
+        <p:spPr>
+          <a:xfrm>
+            <a:off x="5927912" y="2913742"/>
+            <a:ext cx="1501392" cy="268170"/>
+          </a:xfrm>
+          <a:prstGeom prst="rect">
+            <a:avLst/>
+          </a:prstGeom>
+        </p:spPr>
+        <p:style>
+          <a:lnRef idx="2">
+            <a:schemeClr val="accent1">
+              <a:shade val="50000"/>
+            </a:schemeClr>
+          </a:lnRef>
+          <a:fillRef idx="1">
+            <a:schemeClr val="accent1"/>
+          </a:fillRef>
+          <a:effectRef idx="0">
+            <a:schemeClr val="accent1"/>
+          </a:effectRef>
+          <a:fontRef idx="minor">
+            <a:schemeClr val="lt1"/>
+          </a:fontRef>
+        </p:style>
+        <p:txBody>
+          <a:bodyPr rtlCol="0" anchor="ctr"/>
+          <a:lstStyle/>
+          <a:p>
+            <a:pPr algn="ctr"/>
+            <a:r>
+              <a:rPr lang="en-US" dirty="0" smtClean="0"/>
+              <a:t>STAIRS</a:t>
+            </a:r>
+            <a:endParaRPr lang="en-US" dirty="0"/>
+          </a:p>
+        </p:txBody>
+      </p:sp>
+      <p:sp>
+        <p:nvSpPr>
+          <p:cNvPr id="7" name="Rectangle 6"/>
+          <p:cNvSpPr/>
+          <p:nvPr/>
+        </p:nvSpPr>
+        <p:spPr>
+          <a:xfrm>
+            <a:off x="5927912" y="4699188"/>
+            <a:ext cx="1501392" cy="268170"/>
+          </a:xfrm>
+          <a:prstGeom prst="rect">
+            <a:avLst/>
+          </a:prstGeom>
+        </p:spPr>
+        <p:style>
+          <a:lnRef idx="2">
+            <a:schemeClr val="accent1">
+              <a:shade val="50000"/>
+            </a:schemeClr>
+          </a:lnRef>
+          <a:fillRef idx="1">
+            <a:schemeClr val="accent1"/>
+          </a:fillRef>
+          <a:effectRef idx="0">
+            <a:schemeClr val="accent1"/>
+          </a:effectRef>
+          <a:fontRef idx="minor">
+            <a:schemeClr val="lt1"/>
+          </a:fontRef>
+        </p:style>
+        <p:txBody>
+          <a:bodyPr rtlCol="0" anchor="ctr"/>
+          <a:lstStyle/>
+          <a:p>
+            <a:pPr algn="ctr"/>
+            <a:r>
+              <a:rPr lang="en-US" dirty="0" smtClean="0"/>
+              <a:t>STAIRS</a:t>
+            </a:r>
+            <a:endParaRPr lang="en-US" dirty="0"/>
+          </a:p>
+        </p:txBody>
+      </p:sp>
+      <p:sp>
+        <p:nvSpPr>
+          <p:cNvPr id="10" name="Rounded Rectangle 9"/>
+          <p:cNvSpPr/>
+          <p:nvPr/>
+        </p:nvSpPr>
+        <p:spPr>
+          <a:xfrm>
+            <a:off x="1072964" y="5318448"/>
+            <a:ext cx="754986" cy="278756"/>
+          </a:xfrm>
+          <a:prstGeom prst="roundRect">
+            <a:avLst/>
+          </a:prstGeom>
+        </p:spPr>
+        <p:style>
+          <a:lnRef idx="2">
+            <a:schemeClr val="accent1">
+              <a:shade val="50000"/>
+            </a:schemeClr>
+          </a:lnRef>
+          <a:fillRef idx="1">
+            <a:schemeClr val="accent1"/>
+          </a:fillRef>
+          <a:effectRef idx="0">
+            <a:schemeClr val="accent1"/>
+          </a:effectRef>
+          <a:fontRef idx="minor">
+            <a:schemeClr val="lt1"/>
+          </a:fontRef>
+        </p:style>
+        <p:txBody>
+          <a:bodyPr rtlCol="0" anchor="ctr"/>
+          <a:lstStyle/>
+          <a:p>
+            <a:pPr algn="ctr"/>
+            <a:r>
+              <a:rPr lang="en-US" dirty="0" smtClean="0"/>
+              <a:t>Exit</a:t>
+            </a:r>
+            <a:endParaRPr lang="en-US" dirty="0"/>
+          </a:p>
+        </p:txBody>
+      </p:sp>
+      <p:cxnSp>
+        <p:nvCxnSpPr>
+          <p:cNvPr id="11" name="Straight Arrow Connector 10"/>
+          <p:cNvCxnSpPr>
+            <a:stCxn id="4" idx="1"/>
+            <a:endCxn id="10" idx="3"/>
+          </p:cNvCxnSpPr>
+          <p:nvPr/>
+        </p:nvCxnSpPr>
+        <p:spPr>
+          <a:xfrm flipH="1">
+            <a:off x="1827950" y="5457826"/>
+            <a:ext cx="295005" cy="0"/>
+          </a:xfrm>
+          <a:prstGeom prst="straightConnector1">
+            <a:avLst/>
+          </a:prstGeom>
+          <a:ln>
+            <a:tailEnd type="triangle"/>
+          </a:ln>
+        </p:spPr>
+        <p:style>
+          <a:lnRef idx="1">
+            <a:schemeClr val="accent1"/>
+          </a:lnRef>
+          <a:fillRef idx="0">
+            <a:schemeClr val="accent1"/>
+          </a:fillRef>
+          <a:effectRef idx="0">
+            <a:schemeClr val="accent1"/>
+          </a:effectRef>
+          <a:fontRef idx="minor">
+            <a:schemeClr val="tx1"/>
+          </a:fontRef>
+        </p:style>
+      </p:cxnSp>
+      <p:sp>
+        <p:nvSpPr>
+          <p:cNvPr id="12" name="TextBox 11"/>
           <p:cNvSpPr txBox="1"/>
           <p:nvPr/>
         </p:nvSpPr>
         <p:spPr>
           <a:xfrm>
-            <a:off x="628649" y="904875"/>
-            <a:ext cx="8486775" cy="1292662"/>
+            <a:off x="5134467" y="315910"/>
+            <a:ext cx="2281458" cy="369332"/>
+          </a:xfrm>
+          <a:prstGeom prst="rect">
+            <a:avLst/>
+          </a:prstGeom>
+          <a:noFill/>
+        </p:spPr>
+        <p:txBody>
+          <a:bodyPr wrap="none" rtlCol="0">
+            <a:spAutoFit/>
+          </a:bodyPr>
+          <a:lstStyle/>
+          <a:p>
+            <a:r>
+              <a:rPr lang="en-US" dirty="0" smtClean="0"/>
+              <a:t>REMAINING SECTIONS</a:t>
+            </a:r>
+            <a:endParaRPr lang="en-US" dirty="0"/>
+          </a:p>
+        </p:txBody>
+      </p:sp>
+      <p:sp>
+        <p:nvSpPr>
+          <p:cNvPr id="13" name="TextBox 12"/>
+          <p:cNvSpPr txBox="1"/>
+          <p:nvPr/>
+        </p:nvSpPr>
+        <p:spPr>
+          <a:xfrm>
+            <a:off x="7415925" y="1092725"/>
+            <a:ext cx="4271933" cy="1569660"/>
           </a:xfrm>
           <a:prstGeom prst="rect">
             <a:avLst/>
@@ -4858,80 +5411,9 @@
           <a:p>
             <a:r>
               <a:rPr lang="en-US" sz="2400" b="1" dirty="0" smtClean="0"/>
-              <a:t>Other Game details</a:t>
-            </a:r>
-          </a:p>
-          <a:p>
-            <a:pPr marL="285750" indent="-285750">
-              <a:buFont typeface="Arial" panose="020B0604020202020204" pitchFamily="34" charset="0"/>
-              <a:buChar char="•"/>
-            </a:pPr>
-            <a:r>
-              <a:rPr lang="en-US" dirty="0" smtClean="0"/>
-              <a:t>Princess can shoot </a:t>
-            </a:r>
-            <a:r>
-              <a:rPr lang="en-US" dirty="0" err="1" smtClean="0"/>
-              <a:t>glowy</a:t>
-            </a:r>
-            <a:r>
-              <a:rPr lang="en-US" dirty="0"/>
-              <a:t> </a:t>
-            </a:r>
-            <a:r>
-              <a:rPr lang="en-US" dirty="0" smtClean="0"/>
-              <a:t>bally thingy’s (GBT) from her hands.</a:t>
-            </a:r>
-          </a:p>
-          <a:p>
-            <a:pPr marL="285750" indent="-285750">
-              <a:buFont typeface="Arial" panose="020B0604020202020204" pitchFamily="34" charset="0"/>
-              <a:buChar char="•"/>
-            </a:pPr>
-            <a:r>
-              <a:rPr lang="en-US" dirty="0" smtClean="0"/>
-              <a:t>Leveling up will improve various abilities and stats of GBT</a:t>
-            </a:r>
-          </a:p>
-          <a:p>
-            <a:pPr marL="285750" indent="-285750">
-              <a:buFont typeface="Arial" panose="020B0604020202020204" pitchFamily="34" charset="0"/>
-              <a:buChar char="•"/>
-            </a:pPr>
-            <a:r>
-              <a:rPr lang="en-US" dirty="0" smtClean="0"/>
-              <a:t>Remainder of game, past tutorial, is not known yet.</a:t>
-            </a:r>
-            <a:endParaRPr lang="en-US" dirty="0"/>
-          </a:p>
-        </p:txBody>
-      </p:sp>
-      <p:sp>
-        <p:nvSpPr>
-          <p:cNvPr id="3" name="TextBox 2"/>
-          <p:cNvSpPr txBox="1"/>
-          <p:nvPr/>
-        </p:nvSpPr>
-        <p:spPr>
-          <a:xfrm>
-            <a:off x="971550" y="3495675"/>
-            <a:ext cx="4506618" cy="2400657"/>
-          </a:xfrm>
-          <a:prstGeom prst="rect">
-            <a:avLst/>
-          </a:prstGeom>
-          <a:noFill/>
-        </p:spPr>
-        <p:txBody>
-          <a:bodyPr wrap="none" rtlCol="0">
-            <a:spAutoFit/>
-          </a:bodyPr>
-          <a:lstStyle/>
-          <a:p>
-            <a:r>
-              <a:rPr lang="en-US" sz="2400" b="1" dirty="0" smtClean="0"/>
-              <a:t>Suggested GBT Upgrades/Abilities</a:t>
-            </a:r>
+              <a:t>Remaining Levels/Details:</a:t>
+            </a:r>
+            <a:endParaRPr lang="en-US" sz="2400" b="1" dirty="0"/>
           </a:p>
           <a:p>
             <a:pPr marL="342900" indent="-342900">
@@ -4940,7 +5422,7 @@
             </a:pPr>
             <a:r>
               <a:rPr lang="en-US" dirty="0" smtClean="0"/>
-              <a:t>Can be used as a shield</a:t>
+              <a:t>Multiple rooms at each level</a:t>
             </a:r>
           </a:p>
           <a:p>
@@ -4950,7 +5432,7 @@
             </a:pPr>
             <a:r>
               <a:rPr lang="en-US" dirty="0" smtClean="0"/>
-              <a:t>Range distance lengthening</a:t>
+              <a:t>Multiple levels of the castle</a:t>
             </a:r>
           </a:p>
           <a:p>
@@ -4960,7 +5442,7 @@
             </a:pPr>
             <a:r>
               <a:rPr lang="en-US" dirty="0" smtClean="0"/>
-              <a:t>Size of GBT enlarged</a:t>
+              <a:t>Increasing difficulty with each tier lower</a:t>
             </a:r>
           </a:p>
           <a:p>
@@ -4970,87 +5452,16 @@
             </a:pPr>
             <a:r>
               <a:rPr lang="en-US" dirty="0" smtClean="0"/>
-              <a:t>Damage improvement</a:t>
-            </a:r>
-          </a:p>
-          <a:p>
-            <a:pPr marL="342900" indent="-342900">
-              <a:buFont typeface="+mj-lt"/>
-              <a:buAutoNum type="arabicPeriod"/>
-            </a:pPr>
-            <a:r>
-              <a:rPr lang="en-US" dirty="0" smtClean="0"/>
-              <a:t>Elemental effects</a:t>
-            </a:r>
-          </a:p>
-          <a:p>
-            <a:pPr marL="342900" indent="-342900">
-              <a:buFont typeface="+mj-lt"/>
-              <a:buAutoNum type="arabicPeriod"/>
-            </a:pPr>
-            <a:r>
-              <a:rPr lang="en-US" dirty="0" smtClean="0"/>
-              <a:t>Burst Shots</a:t>
-            </a:r>
-          </a:p>
-          <a:p>
-            <a:pPr marL="342900" indent="-342900">
-              <a:buFont typeface="+mj-lt"/>
-              <a:buAutoNum type="arabicPeriod"/>
-            </a:pPr>
-            <a:r>
-              <a:rPr lang="en-US" dirty="0" smtClean="0"/>
-              <a:t>Radius Explosion</a:t>
+              <a:t>Final Boss in last room</a:t>
             </a:r>
             <a:endParaRPr lang="en-US" dirty="0"/>
           </a:p>
         </p:txBody>
       </p:sp>
-      <p:pic>
-        <p:nvPicPr>
-          <p:cNvPr id="1028" name="Picture 4" descr=" glowing GIF"/>
-          <p:cNvPicPr>
-            <a:picLocks noChangeAspect="1" noChangeArrowheads="1" noCrop="1"/>
-          </p:cNvPicPr>
-          <p:nvPr/>
-        </p:nvPicPr>
-        <p:blipFill>
-          <a:blip r:embed="rId2">
-            <a:extLst>
-              <a:ext uri="{28A0092B-C50C-407E-A947-70E740481C1C}">
-                <a14:useLocalDpi xmlns:a14="http://schemas.microsoft.com/office/drawing/2010/main" val="0"/>
-              </a:ext>
-            </a:extLst>
-          </a:blip>
-          <a:srcRect/>
-          <a:stretch>
-            <a:fillRect/>
-          </a:stretch>
-        </p:blipFill>
-        <p:spPr bwMode="auto">
-          <a:xfrm>
-            <a:off x="7235824" y="2333625"/>
-            <a:ext cx="3759200" cy="3759200"/>
-          </a:xfrm>
-          <a:prstGeom prst="rect">
-            <a:avLst/>
-          </a:prstGeom>
-          <a:noFill/>
-          <a:extLst>
-            <a:ext uri="{909E8E84-426E-40DD-AFC4-6F175D3DCCD1}">
-              <a14:hiddenFill xmlns:a14="http://schemas.microsoft.com/office/drawing/2010/main">
-                <a:solidFill>
-                  <a:srgbClr val="FFFFFF"/>
-                </a:solidFill>
-              </a14:hiddenFill>
-            </a:ext>
-          </a:extLst>
-        </p:spPr>
-      </p:pic>
     </p:spTree>
     <p:extLst>
       <p:ext uri="{BB962C8B-B14F-4D97-AF65-F5344CB8AC3E}">
-        <p14:creationId xmlns:p14="http://schemas.microsoft.com/office/powerpoint/2010/main" val="2926728468"/>
+        <p14:creationId xmlns:p14="http://schemas.microsoft.com/office/powerpoint/2010/main" val="3155218457"/>
       </p:ext>
     </p:extLst>
   </p:cSld>
@@ -5086,365 +5497,422 @@
       </p:grpSpPr>
       <p:sp>
         <p:nvSpPr>
-          <p:cNvPr id="2" name="Rectangle 1"/>
-          <p:cNvSpPr/>
-          <p:nvPr/>
-        </p:nvSpPr>
-        <p:spPr>
-          <a:xfrm>
-            <a:off x="2105025" y="590550"/>
-            <a:ext cx="4224338" cy="2047875"/>
+          <p:cNvPr id="2" name="TextBox 1"/>
+          <p:cNvSpPr txBox="1"/>
+          <p:nvPr/>
+        </p:nvSpPr>
+        <p:spPr>
+          <a:xfrm>
+            <a:off x="3009900" y="457199"/>
+            <a:ext cx="5324475" cy="369332"/>
           </a:xfrm>
           <a:prstGeom prst="rect">
             <a:avLst/>
           </a:prstGeom>
-        </p:spPr>
-        <p:style>
-          <a:lnRef idx="2">
-            <a:schemeClr val="accent1">
-              <a:shade val="50000"/>
-            </a:schemeClr>
-          </a:lnRef>
-          <a:fillRef idx="1">
-            <a:schemeClr val="accent1"/>
-          </a:fillRef>
-          <a:effectRef idx="0">
-            <a:schemeClr val="accent1"/>
-          </a:effectRef>
-          <a:fontRef idx="minor">
-            <a:schemeClr val="lt1"/>
-          </a:fontRef>
-        </p:style>
-        <p:txBody>
-          <a:bodyPr rtlCol="0" anchor="ctr"/>
+          <a:noFill/>
+        </p:spPr>
+        <p:txBody>
+          <a:bodyPr wrap="square" rtlCol="0">
+            <a:spAutoFit/>
+          </a:bodyPr>
           <a:lstStyle/>
           <a:p>
             <a:pPr algn="ctr"/>
             <a:r>
               <a:rPr lang="en-US" dirty="0" smtClean="0"/>
-              <a:t>Room with Enemies</a:t>
-            </a:r>
-          </a:p>
-          <a:p>
-            <a:pPr algn="ctr"/>
-            <a:r>
-              <a:rPr lang="en-US" dirty="0" smtClean="0"/>
-              <a:t>INTENSE!!!</a:t>
+              <a:t>Concept Art/Collage for Princess</a:t>
             </a:r>
             <a:endParaRPr lang="en-US" dirty="0"/>
           </a:p>
         </p:txBody>
       </p:sp>
-      <p:sp>
-        <p:nvSpPr>
-          <p:cNvPr id="3" name="Rectangle 2"/>
-          <p:cNvSpPr/>
-          <p:nvPr/>
-        </p:nvSpPr>
-        <p:spPr>
-          <a:xfrm>
-            <a:off x="438150" y="1438275"/>
-            <a:ext cx="1666875" cy="361950"/>
+      <p:pic>
+        <p:nvPicPr>
+          <p:cNvPr id="3074" name="Picture 2" descr="Image result for demon princesses"/>
+          <p:cNvPicPr>
+            <a:picLocks noChangeAspect="1" noChangeArrowheads="1"/>
+          </p:cNvPicPr>
+          <p:nvPr/>
+        </p:nvPicPr>
+        <p:blipFill>
+          <a:blip r:embed="rId2">
+            <a:extLst>
+              <a:ext uri="{28A0092B-C50C-407E-A947-70E740481C1C}">
+                <a14:useLocalDpi xmlns:a14="http://schemas.microsoft.com/office/drawing/2010/main" val="0"/>
+              </a:ext>
+            </a:extLst>
+          </a:blip>
+          <a:srcRect/>
+          <a:stretch>
+            <a:fillRect/>
+          </a:stretch>
+        </p:blipFill>
+        <p:spPr bwMode="auto">
+          <a:xfrm>
+            <a:off x="483290" y="1491629"/>
+            <a:ext cx="2466975" cy="1847851"/>
           </a:xfrm>
           <a:prstGeom prst="rect">
             <a:avLst/>
           </a:prstGeom>
-        </p:spPr>
-        <p:style>
-          <a:lnRef idx="2">
-            <a:schemeClr val="accent1">
-              <a:shade val="50000"/>
-            </a:schemeClr>
-          </a:lnRef>
-          <a:fillRef idx="1">
-            <a:schemeClr val="accent1"/>
-          </a:fillRef>
-          <a:effectRef idx="0">
-            <a:schemeClr val="accent1"/>
-          </a:effectRef>
-          <a:fontRef idx="minor">
-            <a:schemeClr val="lt1"/>
-          </a:fontRef>
-        </p:style>
-        <p:txBody>
-          <a:bodyPr rtlCol="0" anchor="ctr"/>
-          <a:lstStyle/>
-          <a:p>
-            <a:pPr algn="ctr"/>
-            <a:r>
-              <a:rPr lang="en-US" dirty="0" smtClean="0"/>
-              <a:t>STAIRS</a:t>
-            </a:r>
-            <a:endParaRPr lang="en-US" dirty="0"/>
-          </a:p>
-        </p:txBody>
-      </p:sp>
-      <p:sp>
-        <p:nvSpPr>
-          <p:cNvPr id="4" name="Rectangle 3"/>
-          <p:cNvSpPr/>
-          <p:nvPr/>
-        </p:nvSpPr>
-        <p:spPr>
-          <a:xfrm>
-            <a:off x="2105025" y="3352800"/>
-            <a:ext cx="4224338" cy="2047875"/>
+          <a:noFill/>
+          <a:extLst>
+            <a:ext uri="{909E8E84-426E-40DD-AFC4-6F175D3DCCD1}">
+              <a14:hiddenFill xmlns:a14="http://schemas.microsoft.com/office/drawing/2010/main">
+                <a:solidFill>
+                  <a:srgbClr val="FFFFFF"/>
+                </a:solidFill>
+              </a14:hiddenFill>
+            </a:ext>
+          </a:extLst>
+        </p:spPr>
+      </p:pic>
+      <p:pic>
+        <p:nvPicPr>
+          <p:cNvPr id="3082" name="Picture 10" descr="Image result for demon princesses"/>
+          <p:cNvPicPr>
+            <a:picLocks noChangeAspect="1" noChangeArrowheads="1"/>
+          </p:cNvPicPr>
+          <p:nvPr/>
+        </p:nvPicPr>
+        <p:blipFill>
+          <a:blip r:embed="rId3">
+            <a:extLst>
+              <a:ext uri="{28A0092B-C50C-407E-A947-70E740481C1C}">
+                <a14:useLocalDpi xmlns:a14="http://schemas.microsoft.com/office/drawing/2010/main" val="0"/>
+              </a:ext>
+            </a:extLst>
+          </a:blip>
+          <a:srcRect/>
+          <a:stretch>
+            <a:fillRect/>
+          </a:stretch>
+        </p:blipFill>
+        <p:spPr bwMode="auto">
+          <a:xfrm>
+            <a:off x="1591365" y="3103636"/>
+            <a:ext cx="3713714" cy="1969394"/>
           </a:xfrm>
           <a:prstGeom prst="rect">
             <a:avLst/>
           </a:prstGeom>
-        </p:spPr>
-        <p:style>
-          <a:lnRef idx="2">
-            <a:schemeClr val="accent1">
-              <a:shade val="50000"/>
-            </a:schemeClr>
-          </a:lnRef>
-          <a:fillRef idx="1">
-            <a:schemeClr val="accent1"/>
-          </a:fillRef>
-          <a:effectRef idx="0">
-            <a:schemeClr val="accent1"/>
-          </a:effectRef>
-          <a:fontRef idx="minor">
-            <a:schemeClr val="lt1"/>
-          </a:fontRef>
-        </p:style>
-        <p:txBody>
-          <a:bodyPr rtlCol="0" anchor="ctr"/>
-          <a:lstStyle/>
-          <a:p>
-            <a:pPr algn="ctr"/>
-            <a:r>
-              <a:rPr lang="en-US" dirty="0" smtClean="0"/>
-              <a:t>Final Room</a:t>
-            </a:r>
-            <a:endParaRPr lang="en-US" dirty="0"/>
-          </a:p>
-        </p:txBody>
-      </p:sp>
-      <p:sp>
-        <p:nvSpPr>
-          <p:cNvPr id="5" name="Rectangle 4"/>
-          <p:cNvSpPr/>
-          <p:nvPr/>
-        </p:nvSpPr>
-        <p:spPr>
-          <a:xfrm>
-            <a:off x="7705725" y="1800225"/>
-            <a:ext cx="4224338" cy="2047875"/>
+          <a:noFill/>
+          <a:extLst>
+            <a:ext uri="{909E8E84-426E-40DD-AFC4-6F175D3DCCD1}">
+              <a14:hiddenFill xmlns:a14="http://schemas.microsoft.com/office/drawing/2010/main">
+                <a:solidFill>
+                  <a:srgbClr val="FFFFFF"/>
+                </a:solidFill>
+              </a14:hiddenFill>
+            </a:ext>
+          </a:extLst>
+        </p:spPr>
+      </p:pic>
+      <p:pic>
+        <p:nvPicPr>
+          <p:cNvPr id="3084" name="Picture 12" descr="Image result for demon princesses"/>
+          <p:cNvPicPr>
+            <a:picLocks noChangeAspect="1" noChangeArrowheads="1"/>
+          </p:cNvPicPr>
+          <p:nvPr/>
+        </p:nvPicPr>
+        <p:blipFill>
+          <a:blip r:embed="rId4" cstate="print">
+            <a:extLst>
+              <a:ext uri="{28A0092B-C50C-407E-A947-70E740481C1C}">
+                <a14:useLocalDpi xmlns:a14="http://schemas.microsoft.com/office/drawing/2010/main" val="0"/>
+              </a:ext>
+            </a:extLst>
+          </a:blip>
+          <a:srcRect/>
+          <a:stretch>
+            <a:fillRect/>
+          </a:stretch>
+        </p:blipFill>
+        <p:spPr bwMode="auto">
+          <a:xfrm>
+            <a:off x="4848915" y="1491629"/>
+            <a:ext cx="2084627" cy="2986088"/>
           </a:xfrm>
           <a:prstGeom prst="rect">
             <a:avLst/>
           </a:prstGeom>
-        </p:spPr>
-        <p:style>
-          <a:lnRef idx="2">
-            <a:schemeClr val="accent1">
-              <a:shade val="50000"/>
-            </a:schemeClr>
-          </a:lnRef>
-          <a:fillRef idx="1">
-            <a:schemeClr val="accent1"/>
-          </a:fillRef>
-          <a:effectRef idx="0">
-            <a:schemeClr val="accent1"/>
-          </a:effectRef>
-          <a:fontRef idx="minor">
-            <a:schemeClr val="lt1"/>
-          </a:fontRef>
-        </p:style>
-        <p:txBody>
-          <a:bodyPr rtlCol="0" anchor="ctr"/>
-          <a:lstStyle/>
-          <a:p>
-            <a:pPr algn="ctr"/>
-            <a:r>
-              <a:rPr lang="en-US" dirty="0" smtClean="0"/>
-              <a:t>MULTIPLE ROOMS</a:t>
-            </a:r>
-          </a:p>
-          <a:p>
-            <a:pPr algn="ctr"/>
-            <a:r>
-              <a:rPr lang="en-US" dirty="0" smtClean="0"/>
-              <a:t>WITH DIFFERENT CHALLENGES</a:t>
-            </a:r>
-            <a:endParaRPr lang="en-US" dirty="0"/>
-          </a:p>
-        </p:txBody>
-      </p:sp>
-      <p:sp>
-        <p:nvSpPr>
-          <p:cNvPr id="6" name="Rectangle 5"/>
-          <p:cNvSpPr/>
-          <p:nvPr/>
-        </p:nvSpPr>
-        <p:spPr>
-          <a:xfrm>
-            <a:off x="6329363" y="1433512"/>
-            <a:ext cx="1666875" cy="361950"/>
+          <a:noFill/>
+          <a:extLst>
+            <a:ext uri="{909E8E84-426E-40DD-AFC4-6F175D3DCCD1}">
+              <a14:hiddenFill xmlns:a14="http://schemas.microsoft.com/office/drawing/2010/main">
+                <a:solidFill>
+                  <a:srgbClr val="FFFFFF"/>
+                </a:solidFill>
+              </a14:hiddenFill>
+            </a:ext>
+          </a:extLst>
+        </p:spPr>
+      </p:pic>
+      <p:pic>
+        <p:nvPicPr>
+          <p:cNvPr id="3088" name="Picture 16" descr="Image result for demon princesses"/>
+          <p:cNvPicPr>
+            <a:picLocks noChangeAspect="1" noChangeArrowheads="1"/>
+          </p:cNvPicPr>
+          <p:nvPr/>
+        </p:nvPicPr>
+        <p:blipFill>
+          <a:blip r:embed="rId5">
+            <a:extLst>
+              <a:ext uri="{28A0092B-C50C-407E-A947-70E740481C1C}">
+                <a14:useLocalDpi xmlns:a14="http://schemas.microsoft.com/office/drawing/2010/main" val="0"/>
+              </a:ext>
+            </a:extLst>
+          </a:blip>
+          <a:srcRect/>
+          <a:stretch>
+            <a:fillRect/>
+          </a:stretch>
+        </p:blipFill>
+        <p:spPr bwMode="auto">
+          <a:xfrm>
+            <a:off x="8430003" y="1426244"/>
+            <a:ext cx="2758641" cy="2662089"/>
           </a:xfrm>
           <a:prstGeom prst="rect">
             <a:avLst/>
           </a:prstGeom>
-        </p:spPr>
-        <p:style>
-          <a:lnRef idx="2">
-            <a:schemeClr val="accent1">
-              <a:shade val="50000"/>
-            </a:schemeClr>
-          </a:lnRef>
-          <a:fillRef idx="1">
-            <a:schemeClr val="accent1"/>
-          </a:fillRef>
-          <a:effectRef idx="0">
-            <a:schemeClr val="accent1"/>
-          </a:effectRef>
-          <a:fontRef idx="minor">
-            <a:schemeClr val="lt1"/>
-          </a:fontRef>
-        </p:style>
-        <p:txBody>
-          <a:bodyPr rtlCol="0" anchor="ctr"/>
-          <a:lstStyle/>
-          <a:p>
-            <a:pPr algn="ctr"/>
-            <a:r>
-              <a:rPr lang="en-US" dirty="0" smtClean="0"/>
-              <a:t>STAIRS</a:t>
-            </a:r>
-            <a:endParaRPr lang="en-US" dirty="0"/>
-          </a:p>
-        </p:txBody>
-      </p:sp>
-      <p:sp>
-        <p:nvSpPr>
-          <p:cNvPr id="7" name="Rectangle 6"/>
-          <p:cNvSpPr/>
-          <p:nvPr/>
-        </p:nvSpPr>
-        <p:spPr>
-          <a:xfrm>
-            <a:off x="6329362" y="3862387"/>
-            <a:ext cx="1666875" cy="361950"/>
+          <a:noFill/>
+          <a:extLst>
+            <a:ext uri="{909E8E84-426E-40DD-AFC4-6F175D3DCCD1}">
+              <a14:hiddenFill xmlns:a14="http://schemas.microsoft.com/office/drawing/2010/main">
+                <a:solidFill>
+                  <a:srgbClr val="FFFFFF"/>
+                </a:solidFill>
+              </a14:hiddenFill>
+            </a:ext>
+          </a:extLst>
+        </p:spPr>
+      </p:pic>
+      <p:pic>
+        <p:nvPicPr>
+          <p:cNvPr id="3" name="Picture 2"/>
+          <p:cNvPicPr>
+            <a:picLocks noChangeAspect="1"/>
+          </p:cNvPicPr>
+          <p:nvPr/>
+        </p:nvPicPr>
+        <p:blipFill>
+          <a:blip r:embed="rId6"/>
+          <a:stretch>
+            <a:fillRect/>
+          </a:stretch>
+        </p:blipFill>
+        <p:spPr>
+          <a:xfrm>
+            <a:off x="6495947" y="910340"/>
+            <a:ext cx="2131355" cy="2841113"/>
           </a:xfrm>
           <a:prstGeom prst="rect">
             <a:avLst/>
           </a:prstGeom>
         </p:spPr>
-        <p:style>
-          <a:lnRef idx="2">
-            <a:schemeClr val="accent1">
-              <a:shade val="50000"/>
-            </a:schemeClr>
-          </a:lnRef>
-          <a:fillRef idx="1">
-            <a:schemeClr val="accent1"/>
-          </a:fillRef>
-          <a:effectRef idx="0">
-            <a:schemeClr val="accent1"/>
-          </a:effectRef>
-          <a:fontRef idx="minor">
-            <a:schemeClr val="lt1"/>
-          </a:fontRef>
-        </p:style>
-        <p:txBody>
-          <a:bodyPr rtlCol="0" anchor="ctr"/>
-          <a:lstStyle/>
-          <a:p>
-            <a:pPr algn="ctr"/>
-            <a:r>
-              <a:rPr lang="en-US" dirty="0" smtClean="0"/>
-              <a:t>STAIRS</a:t>
-            </a:r>
-            <a:endParaRPr lang="en-US" dirty="0"/>
-          </a:p>
-        </p:txBody>
-      </p:sp>
-      <p:cxnSp>
-        <p:nvCxnSpPr>
-          <p:cNvPr id="9" name="Straight Arrow Connector 8"/>
-          <p:cNvCxnSpPr>
-            <a:stCxn id="4" idx="1"/>
-          </p:cNvCxnSpPr>
-          <p:nvPr/>
-        </p:nvCxnSpPr>
-        <p:spPr>
-          <a:xfrm flipH="1" flipV="1">
-            <a:off x="1400175" y="4376737"/>
-            <a:ext cx="704850" cy="1"/>
-          </a:xfrm>
-          <a:prstGeom prst="straightConnector1">
-            <a:avLst/>
-          </a:prstGeom>
-          <a:ln>
-            <a:tailEnd type="triangle"/>
-          </a:ln>
-        </p:spPr>
-        <p:style>
-          <a:lnRef idx="1">
-            <a:schemeClr val="accent1"/>
-          </a:lnRef>
-          <a:fillRef idx="0">
-            <a:schemeClr val="accent1"/>
-          </a:fillRef>
-          <a:effectRef idx="0">
-            <a:schemeClr val="accent1"/>
-          </a:effectRef>
-          <a:fontRef idx="minor">
-            <a:schemeClr val="tx1"/>
-          </a:fontRef>
-        </p:style>
-      </p:cxnSp>
-      <p:sp>
-        <p:nvSpPr>
-          <p:cNvPr id="10" name="Rounded Rectangle 9"/>
-          <p:cNvSpPr/>
-          <p:nvPr/>
-        </p:nvSpPr>
-        <p:spPr>
-          <a:xfrm>
-            <a:off x="561975" y="4224337"/>
-            <a:ext cx="838200" cy="376238"/>
-          </a:xfrm>
-          <a:prstGeom prst="roundRect">
-            <a:avLst/>
-          </a:prstGeom>
-        </p:spPr>
-        <p:style>
-          <a:lnRef idx="2">
-            <a:schemeClr val="accent1">
-              <a:shade val="50000"/>
-            </a:schemeClr>
-          </a:lnRef>
-          <a:fillRef idx="1">
-            <a:schemeClr val="accent1"/>
-          </a:fillRef>
-          <a:effectRef idx="0">
-            <a:schemeClr val="accent1"/>
-          </a:effectRef>
-          <a:fontRef idx="minor">
-            <a:schemeClr val="lt1"/>
-          </a:fontRef>
-        </p:style>
-        <p:txBody>
-          <a:bodyPr rtlCol="0" anchor="ctr"/>
-          <a:lstStyle/>
-          <a:p>
-            <a:pPr algn="ctr"/>
-            <a:r>
-              <a:rPr lang="en-US" dirty="0" smtClean="0"/>
-              <a:t>Exit</a:t>
-            </a:r>
-            <a:endParaRPr lang="en-US" dirty="0"/>
-          </a:p>
-        </p:txBody>
-      </p:sp>
+      </p:pic>
+      <p:pic>
+        <p:nvPicPr>
+          <p:cNvPr id="3086" name="Picture 14" descr="Image result for demon princesses"/>
+          <p:cNvPicPr>
+            <a:picLocks noChangeAspect="1" noChangeArrowheads="1"/>
+          </p:cNvPicPr>
+          <p:nvPr/>
+        </p:nvPicPr>
+        <p:blipFill>
+          <a:blip r:embed="rId7">
+            <a:extLst>
+              <a:ext uri="{28A0092B-C50C-407E-A947-70E740481C1C}">
+                <a14:useLocalDpi xmlns:a14="http://schemas.microsoft.com/office/drawing/2010/main" val="0"/>
+              </a:ext>
+            </a:extLst>
+          </a:blip>
+          <a:srcRect/>
+          <a:stretch>
+            <a:fillRect/>
+          </a:stretch>
+        </p:blipFill>
+        <p:spPr bwMode="auto">
+          <a:xfrm>
+            <a:off x="6801540" y="3646492"/>
+            <a:ext cx="2812014" cy="1662449"/>
+          </a:xfrm>
+          <a:prstGeom prst="rect">
+            <a:avLst/>
+          </a:prstGeom>
+          <a:noFill/>
+          <a:extLst>
+            <a:ext uri="{909E8E84-426E-40DD-AFC4-6F175D3DCCD1}">
+              <a14:hiddenFill xmlns:a14="http://schemas.microsoft.com/office/drawing/2010/main">
+                <a:solidFill>
+                  <a:srgbClr val="FFFFFF"/>
+                </a:solidFill>
+              </a14:hiddenFill>
+            </a:ext>
+          </a:extLst>
+        </p:spPr>
+      </p:pic>
+      <p:pic>
+        <p:nvPicPr>
+          <p:cNvPr id="7" name="Picture 6"/>
+          <p:cNvPicPr>
+            <a:picLocks noChangeAspect="1"/>
+          </p:cNvPicPr>
+          <p:nvPr/>
+        </p:nvPicPr>
+        <p:blipFill>
+          <a:blip r:embed="rId8"/>
+          <a:stretch>
+            <a:fillRect/>
+          </a:stretch>
+        </p:blipFill>
+        <p:spPr>
+          <a:xfrm>
+            <a:off x="2689673" y="1366396"/>
+            <a:ext cx="2309813" cy="1733443"/>
+          </a:xfrm>
+          <a:prstGeom prst="rect">
+            <a:avLst/>
+          </a:prstGeom>
+        </p:spPr>
+      </p:pic>
+      <p:pic>
+        <p:nvPicPr>
+          <p:cNvPr id="1026" name="Picture 2" descr="Image result for female human as demon"/>
+          <p:cNvPicPr>
+            <a:picLocks noChangeAspect="1" noChangeArrowheads="1"/>
+          </p:cNvPicPr>
+          <p:nvPr/>
+        </p:nvPicPr>
+        <p:blipFill>
+          <a:blip r:embed="rId9" cstate="print">
+            <a:extLst>
+              <a:ext uri="{28A0092B-C50C-407E-A947-70E740481C1C}">
+                <a14:useLocalDpi xmlns:a14="http://schemas.microsoft.com/office/drawing/2010/main" val="0"/>
+              </a:ext>
+            </a:extLst>
+          </a:blip>
+          <a:srcRect/>
+          <a:stretch>
+            <a:fillRect/>
+          </a:stretch>
+        </p:blipFill>
+        <p:spPr bwMode="auto">
+          <a:xfrm>
+            <a:off x="94904" y="4550182"/>
+            <a:ext cx="2233959" cy="2134855"/>
+          </a:xfrm>
+          <a:prstGeom prst="rect">
+            <a:avLst/>
+          </a:prstGeom>
+          <a:noFill/>
+          <a:extLst>
+            <a:ext uri="{909E8E84-426E-40DD-AFC4-6F175D3DCCD1}">
+              <a14:hiddenFill xmlns:a14="http://schemas.microsoft.com/office/drawing/2010/main">
+                <a:solidFill>
+                  <a:srgbClr val="FFFFFF"/>
+                </a:solidFill>
+              </a14:hiddenFill>
+            </a:ext>
+          </a:extLst>
+        </p:spPr>
+      </p:pic>
+      <p:pic>
+        <p:nvPicPr>
+          <p:cNvPr id="1028" name="Picture 4" descr="Image result for female human as demon"/>
+          <p:cNvPicPr>
+            <a:picLocks noChangeAspect="1" noChangeArrowheads="1"/>
+          </p:cNvPicPr>
+          <p:nvPr/>
+        </p:nvPicPr>
+        <p:blipFill>
+          <a:blip r:embed="rId10" cstate="print">
+            <a:extLst>
+              <a:ext uri="{28A0092B-C50C-407E-A947-70E740481C1C}">
+                <a14:useLocalDpi xmlns:a14="http://schemas.microsoft.com/office/drawing/2010/main" val="0"/>
+              </a:ext>
+            </a:extLst>
+          </a:blip>
+          <a:srcRect/>
+          <a:stretch>
+            <a:fillRect/>
+          </a:stretch>
+        </p:blipFill>
+        <p:spPr bwMode="auto">
+          <a:xfrm>
+            <a:off x="4399201" y="5059006"/>
+            <a:ext cx="2582380" cy="1721587"/>
+          </a:xfrm>
+          <a:prstGeom prst="rect">
+            <a:avLst/>
+          </a:prstGeom>
+          <a:noFill/>
+          <a:extLst>
+            <a:ext uri="{909E8E84-426E-40DD-AFC4-6F175D3DCCD1}">
+              <a14:hiddenFill xmlns:a14="http://schemas.microsoft.com/office/drawing/2010/main">
+                <a:solidFill>
+                  <a:srgbClr val="FFFFFF"/>
+                </a:solidFill>
+              </a14:hiddenFill>
+            </a:ext>
+          </a:extLst>
+        </p:spPr>
+      </p:pic>
+      <p:pic>
+        <p:nvPicPr>
+          <p:cNvPr id="1030" name="Picture 6" descr="Image result for female human as demon"/>
+          <p:cNvPicPr>
+            <a:picLocks noChangeAspect="1" noChangeArrowheads="1"/>
+          </p:cNvPicPr>
+          <p:nvPr/>
+        </p:nvPicPr>
+        <p:blipFill>
+          <a:blip r:embed="rId11" cstate="print">
+            <a:extLst>
+              <a:ext uri="{28A0092B-C50C-407E-A947-70E740481C1C}">
+                <a14:useLocalDpi xmlns:a14="http://schemas.microsoft.com/office/drawing/2010/main" val="0"/>
+              </a:ext>
+            </a:extLst>
+          </a:blip>
+          <a:srcRect/>
+          <a:stretch>
+            <a:fillRect/>
+          </a:stretch>
+        </p:blipFill>
+        <p:spPr bwMode="auto">
+          <a:xfrm>
+            <a:off x="8478042" y="5087917"/>
+            <a:ext cx="3037922" cy="1708831"/>
+          </a:xfrm>
+          <a:prstGeom prst="rect">
+            <a:avLst/>
+          </a:prstGeom>
+          <a:noFill/>
+          <a:effectLst>
+            <a:glow>
+              <a:schemeClr val="accent1">
+                <a:alpha val="40000"/>
+              </a:schemeClr>
+            </a:glow>
+          </a:effectLst>
+          <a:extLst>
+            <a:ext uri="{909E8E84-426E-40DD-AFC4-6F175D3DCCD1}">
+              <a14:hiddenFill xmlns:a14="http://schemas.microsoft.com/office/drawing/2010/main">
+                <a:solidFill>
+                  <a:srgbClr val="FFFFFF"/>
+                </a:solidFill>
+              </a14:hiddenFill>
+            </a:ext>
+          </a:extLst>
+        </p:spPr>
+      </p:pic>
     </p:spTree>
     <p:extLst>
       <p:ext uri="{BB962C8B-B14F-4D97-AF65-F5344CB8AC3E}">
-        <p14:creationId xmlns:p14="http://schemas.microsoft.com/office/powerpoint/2010/main" val="3155218457"/>
+        <p14:creationId xmlns:p14="http://schemas.microsoft.com/office/powerpoint/2010/main" val="3984281975"/>
       </p:ext>
     </p:extLst>
   </p:cSld>
@@ -5480,14 +5948,14 @@
       </p:grpSpPr>
       <p:sp>
         <p:nvSpPr>
-          <p:cNvPr id="2" name="TextBox 1"/>
+          <p:cNvPr id="3" name="TextBox 2"/>
           <p:cNvSpPr txBox="1"/>
           <p:nvPr/>
         </p:nvSpPr>
         <p:spPr>
           <a:xfrm>
-            <a:off x="3009900" y="457199"/>
-            <a:ext cx="5324475" cy="369332"/>
+            <a:off x="1057275" y="1028700"/>
+            <a:ext cx="6210300" cy="4247317"/>
           </a:xfrm>
           <a:prstGeom prst="rect">
             <a:avLst/>
@@ -5500,386 +5968,170 @@
           </a:bodyPr>
           <a:lstStyle/>
           <a:p>
-            <a:pPr algn="ctr"/>
             <a:r>
               <a:rPr lang="en-US" dirty="0" smtClean="0"/>
-              <a:t>Concept </a:t>
-            </a:r>
+              <a:t>Mechanics</a:t>
+            </a:r>
+          </a:p>
+          <a:p>
+            <a:pPr marL="285750" indent="-285750">
+              <a:buFont typeface="Arial" panose="020B0604020202020204" pitchFamily="34" charset="0"/>
+              <a:buChar char="•"/>
+            </a:pPr>
             <a:r>
               <a:rPr lang="en-US" dirty="0" smtClean="0"/>
-              <a:t>Art/Collage </a:t>
-            </a:r>
+              <a:t>Switch back and forth between Demon and Human Modes?</a:t>
+            </a:r>
+          </a:p>
+          <a:p>
+            <a:pPr marL="285750" indent="-285750">
+              <a:buFont typeface="Arial" panose="020B0604020202020204" pitchFamily="34" charset="0"/>
+              <a:buChar char="•"/>
+            </a:pPr>
             <a:r>
               <a:rPr lang="en-US" dirty="0" smtClean="0"/>
-              <a:t>for Princess</a:t>
-            </a:r>
+              <a:t>GBT can be shot out, and returns to player</a:t>
+            </a:r>
+          </a:p>
+          <a:p>
+            <a:pPr marL="285750" indent="-285750">
+              <a:buFont typeface="Arial" panose="020B0604020202020204" pitchFamily="34" charset="0"/>
+              <a:buChar char="•"/>
+            </a:pPr>
+            <a:r>
+              <a:rPr lang="en-US" dirty="0" smtClean="0"/>
+              <a:t>Shield creates method for defending</a:t>
+            </a:r>
+          </a:p>
+          <a:p>
+            <a:pPr marL="285750" indent="-285750">
+              <a:buFont typeface="Arial" panose="020B0604020202020204" pitchFamily="34" charset="0"/>
+              <a:buChar char="•"/>
+            </a:pPr>
+            <a:r>
+              <a:rPr lang="en-US" dirty="0" smtClean="0"/>
+              <a:t>Goblins have different weapons</a:t>
+            </a:r>
+          </a:p>
+          <a:p>
+            <a:pPr marL="285750" indent="-285750">
+              <a:buFont typeface="Arial" panose="020B0604020202020204" pitchFamily="34" charset="0"/>
+              <a:buChar char="•"/>
+            </a:pPr>
+            <a:r>
+              <a:rPr lang="en-US" dirty="0" smtClean="0"/>
+              <a:t>Sneaking is an option when in Human Form</a:t>
+            </a:r>
+          </a:p>
+          <a:p>
+            <a:pPr marL="285750" indent="-285750">
+              <a:buFont typeface="Arial" panose="020B0604020202020204" pitchFamily="34" charset="0"/>
+              <a:buChar char="•"/>
+            </a:pPr>
+            <a:r>
+              <a:rPr lang="en-US" dirty="0" smtClean="0"/>
+              <a:t>Can only walk when in Demon Form</a:t>
+            </a:r>
+          </a:p>
+          <a:p>
             <a:endParaRPr lang="en-US" dirty="0"/>
+          </a:p>
+          <a:p>
+            <a:r>
+              <a:rPr lang="en-US" dirty="0" smtClean="0"/>
+              <a:t>Level Design Mechanics</a:t>
+            </a:r>
+          </a:p>
+          <a:p>
+            <a:pPr marL="285750" indent="-285750">
+              <a:buFont typeface="Arial" panose="020B0604020202020204" pitchFamily="34" charset="0"/>
+              <a:buChar char="•"/>
+            </a:pPr>
+            <a:r>
+              <a:rPr lang="en-US" dirty="0" smtClean="0"/>
+              <a:t>Traps</a:t>
+            </a:r>
+          </a:p>
+          <a:p>
+            <a:pPr marL="742950" lvl="1" indent="-285750">
+              <a:buFont typeface="Arial" panose="020B0604020202020204" pitchFamily="34" charset="0"/>
+              <a:buChar char="•"/>
+            </a:pPr>
+            <a:r>
+              <a:rPr lang="en-US" dirty="0" smtClean="0"/>
+              <a:t>Spikes</a:t>
+            </a:r>
+          </a:p>
+          <a:p>
+            <a:pPr marL="742950" lvl="1" indent="-285750">
+              <a:buFont typeface="Arial" panose="020B0604020202020204" pitchFamily="34" charset="0"/>
+              <a:buChar char="•"/>
+            </a:pPr>
+            <a:r>
+              <a:rPr lang="en-US" dirty="0" smtClean="0"/>
+              <a:t>Pits</a:t>
+            </a:r>
+          </a:p>
+          <a:p>
+            <a:pPr marL="742950" lvl="1" indent="-285750">
+              <a:buFont typeface="Arial" panose="020B0604020202020204" pitchFamily="34" charset="0"/>
+              <a:buChar char="•"/>
+            </a:pPr>
+            <a:r>
+              <a:rPr lang="en-US" dirty="0" smtClean="0"/>
+              <a:t>Arrow Trap</a:t>
+            </a:r>
+          </a:p>
+          <a:p>
+            <a:pPr marL="742950" lvl="1" indent="-285750">
+              <a:buFont typeface="Arial" panose="020B0604020202020204" pitchFamily="34" charset="0"/>
+              <a:buChar char="•"/>
+            </a:pPr>
+            <a:r>
+              <a:rPr lang="en-US" dirty="0" smtClean="0"/>
+              <a:t>Paralyzing Trap</a:t>
+            </a:r>
+          </a:p>
+          <a:p>
+            <a:pPr marL="285750" indent="-285750">
+              <a:buFont typeface="Arial" panose="020B0604020202020204" pitchFamily="34" charset="0"/>
+              <a:buChar char="•"/>
+            </a:pPr>
+            <a:r>
+              <a:rPr lang="en-US" dirty="0" smtClean="0"/>
+              <a:t>Platforming</a:t>
+            </a:r>
           </a:p>
         </p:txBody>
       </p:sp>
       <p:pic>
         <p:nvPicPr>
-          <p:cNvPr id="3074" name="Picture 2" descr="Image result for demon princesses"/>
+          <p:cNvPr id="4" name="Picture 3"/>
           <p:cNvPicPr>
-            <a:picLocks noChangeAspect="1" noChangeArrowheads="1"/>
+            <a:picLocks noChangeAspect="1"/>
           </p:cNvPicPr>
           <p:nvPr/>
         </p:nvPicPr>
         <p:blipFill>
-          <a:blip r:embed="rId2">
-            <a:extLst>
-              <a:ext uri="{28A0092B-C50C-407E-A947-70E740481C1C}">
-                <a14:useLocalDpi xmlns:a14="http://schemas.microsoft.com/office/drawing/2010/main" val="0"/>
-              </a:ext>
-            </a:extLst>
-          </a:blip>
-          <a:srcRect/>
+          <a:blip r:embed="rId2"/>
           <a:stretch>
             <a:fillRect/>
           </a:stretch>
         </p:blipFill>
-        <p:spPr bwMode="auto">
-          <a:xfrm>
-            <a:off x="483290" y="1491629"/>
-            <a:ext cx="2466975" cy="1847851"/>
+        <p:spPr>
+          <a:xfrm>
+            <a:off x="4841420" y="3101009"/>
+            <a:ext cx="6321156" cy="3089412"/>
           </a:xfrm>
           <a:prstGeom prst="rect">
             <a:avLst/>
           </a:prstGeom>
-          <a:noFill/>
-          <a:extLst>
-            <a:ext uri="{909E8E84-426E-40DD-AFC4-6F175D3DCCD1}">
-              <a14:hiddenFill xmlns:a14="http://schemas.microsoft.com/office/drawing/2010/main">
-                <a:solidFill>
-                  <a:srgbClr val="FFFFFF"/>
-                </a:solidFill>
-              </a14:hiddenFill>
-            </a:ext>
-          </a:extLst>
-        </p:spPr>
-      </p:pic>
-      <p:pic>
-        <p:nvPicPr>
-          <p:cNvPr id="3084" name="Picture 12" descr="Image result for demon princesses"/>
-          <p:cNvPicPr>
-            <a:picLocks noChangeAspect="1" noChangeArrowheads="1"/>
-          </p:cNvPicPr>
-          <p:nvPr/>
-        </p:nvPicPr>
-        <p:blipFill>
-          <a:blip r:embed="rId3" cstate="print">
-            <a:extLst>
-              <a:ext uri="{28A0092B-C50C-407E-A947-70E740481C1C}">
-                <a14:useLocalDpi xmlns:a14="http://schemas.microsoft.com/office/drawing/2010/main" val="0"/>
-              </a:ext>
-            </a:extLst>
-          </a:blip>
-          <a:srcRect/>
-          <a:stretch>
-            <a:fillRect/>
-          </a:stretch>
-        </p:blipFill>
-        <p:spPr bwMode="auto">
-          <a:xfrm>
-            <a:off x="4848915" y="1491629"/>
-            <a:ext cx="2084627" cy="2986088"/>
-          </a:xfrm>
-          <a:prstGeom prst="rect">
-            <a:avLst/>
-          </a:prstGeom>
-          <a:noFill/>
-          <a:extLst>
-            <a:ext uri="{909E8E84-426E-40DD-AFC4-6F175D3DCCD1}">
-              <a14:hiddenFill xmlns:a14="http://schemas.microsoft.com/office/drawing/2010/main">
-                <a:solidFill>
-                  <a:srgbClr val="FFFFFF"/>
-                </a:solidFill>
-              </a14:hiddenFill>
-            </a:ext>
-          </a:extLst>
-        </p:spPr>
-      </p:pic>
-      <p:pic>
-        <p:nvPicPr>
-          <p:cNvPr id="3082" name="Picture 10" descr="Image result for demon princesses"/>
-          <p:cNvPicPr>
-            <a:picLocks noChangeAspect="1" noChangeArrowheads="1"/>
-          </p:cNvPicPr>
-          <p:nvPr/>
-        </p:nvPicPr>
-        <p:blipFill>
-          <a:blip r:embed="rId4">
-            <a:extLst>
-              <a:ext uri="{28A0092B-C50C-407E-A947-70E740481C1C}">
-                <a14:useLocalDpi xmlns:a14="http://schemas.microsoft.com/office/drawing/2010/main" val="0"/>
-              </a:ext>
-            </a:extLst>
-          </a:blip>
-          <a:srcRect/>
-          <a:stretch>
-            <a:fillRect/>
-          </a:stretch>
-        </p:blipFill>
-        <p:spPr bwMode="auto">
-          <a:xfrm>
-            <a:off x="1591365" y="3103636"/>
-            <a:ext cx="3713714" cy="1969394"/>
-          </a:xfrm>
-          <a:prstGeom prst="rect">
-            <a:avLst/>
-          </a:prstGeom>
-          <a:noFill/>
-          <a:extLst>
-            <a:ext uri="{909E8E84-426E-40DD-AFC4-6F175D3DCCD1}">
-              <a14:hiddenFill xmlns:a14="http://schemas.microsoft.com/office/drawing/2010/main">
-                <a:solidFill>
-                  <a:srgbClr val="FFFFFF"/>
-                </a:solidFill>
-              </a14:hiddenFill>
-            </a:ext>
-          </a:extLst>
-        </p:spPr>
-      </p:pic>
-      <p:pic>
-        <p:nvPicPr>
-          <p:cNvPr id="3088" name="Picture 16" descr="Image result for demon princesses"/>
-          <p:cNvPicPr>
-            <a:picLocks noChangeAspect="1" noChangeArrowheads="1"/>
-          </p:cNvPicPr>
-          <p:nvPr/>
-        </p:nvPicPr>
-        <p:blipFill>
-          <a:blip r:embed="rId5">
-            <a:extLst>
-              <a:ext uri="{28A0092B-C50C-407E-A947-70E740481C1C}">
-                <a14:useLocalDpi xmlns:a14="http://schemas.microsoft.com/office/drawing/2010/main" val="0"/>
-              </a:ext>
-            </a:extLst>
-          </a:blip>
-          <a:srcRect/>
-          <a:stretch>
-            <a:fillRect/>
-          </a:stretch>
-        </p:blipFill>
-        <p:spPr bwMode="auto">
-          <a:xfrm>
-            <a:off x="8430003" y="1426244"/>
-            <a:ext cx="2758641" cy="2662089"/>
-          </a:xfrm>
-          <a:prstGeom prst="rect">
-            <a:avLst/>
-          </a:prstGeom>
-          <a:noFill/>
-          <a:extLst>
-            <a:ext uri="{909E8E84-426E-40DD-AFC4-6F175D3DCCD1}">
-              <a14:hiddenFill xmlns:a14="http://schemas.microsoft.com/office/drawing/2010/main">
-                <a:solidFill>
-                  <a:srgbClr val="FFFFFF"/>
-                </a:solidFill>
-              </a14:hiddenFill>
-            </a:ext>
-          </a:extLst>
-        </p:spPr>
-      </p:pic>
-      <p:pic>
-        <p:nvPicPr>
-          <p:cNvPr id="3086" name="Picture 14" descr="Image result for demon princesses"/>
-          <p:cNvPicPr>
-            <a:picLocks noChangeAspect="1" noChangeArrowheads="1"/>
-          </p:cNvPicPr>
-          <p:nvPr/>
-        </p:nvPicPr>
-        <p:blipFill>
-          <a:blip r:embed="rId6">
-            <a:extLst>
-              <a:ext uri="{28A0092B-C50C-407E-A947-70E740481C1C}">
-                <a14:useLocalDpi xmlns:a14="http://schemas.microsoft.com/office/drawing/2010/main" val="0"/>
-              </a:ext>
-            </a:extLst>
-          </a:blip>
-          <a:srcRect/>
-          <a:stretch>
-            <a:fillRect/>
-          </a:stretch>
-        </p:blipFill>
-        <p:spPr bwMode="auto">
-          <a:xfrm>
-            <a:off x="6801540" y="3646492"/>
-            <a:ext cx="2812014" cy="1662449"/>
-          </a:xfrm>
-          <a:prstGeom prst="rect">
-            <a:avLst/>
-          </a:prstGeom>
-          <a:noFill/>
-          <a:extLst>
-            <a:ext uri="{909E8E84-426E-40DD-AFC4-6F175D3DCCD1}">
-              <a14:hiddenFill xmlns:a14="http://schemas.microsoft.com/office/drawing/2010/main">
-                <a:solidFill>
-                  <a:srgbClr val="FFFFFF"/>
-                </a:solidFill>
-              </a14:hiddenFill>
-            </a:ext>
-          </a:extLst>
-        </p:spPr>
-      </p:pic>
-      <p:pic>
-        <p:nvPicPr>
-          <p:cNvPr id="7" name="Picture 6"/>
-          <p:cNvPicPr>
-            <a:picLocks noChangeAspect="1"/>
-          </p:cNvPicPr>
-          <p:nvPr/>
-        </p:nvPicPr>
-        <p:blipFill>
-          <a:blip r:embed="rId7"/>
-          <a:stretch>
-            <a:fillRect/>
-          </a:stretch>
-        </p:blipFill>
-        <p:spPr>
-          <a:xfrm>
-            <a:off x="2689673" y="1366396"/>
-            <a:ext cx="2309813" cy="1733443"/>
-          </a:xfrm>
-          <a:prstGeom prst="rect">
-            <a:avLst/>
-          </a:prstGeom>
-        </p:spPr>
-      </p:pic>
-      <p:pic>
-        <p:nvPicPr>
-          <p:cNvPr id="1026" name="Picture 2" descr="Image result for female human as demon"/>
-          <p:cNvPicPr>
-            <a:picLocks noChangeAspect="1" noChangeArrowheads="1"/>
-          </p:cNvPicPr>
-          <p:nvPr/>
-        </p:nvPicPr>
-        <p:blipFill>
-          <a:blip r:embed="rId8" cstate="print">
-            <a:extLst>
-              <a:ext uri="{28A0092B-C50C-407E-A947-70E740481C1C}">
-                <a14:useLocalDpi xmlns:a14="http://schemas.microsoft.com/office/drawing/2010/main" val="0"/>
-              </a:ext>
-            </a:extLst>
-          </a:blip>
-          <a:srcRect/>
-          <a:stretch>
-            <a:fillRect/>
-          </a:stretch>
-        </p:blipFill>
-        <p:spPr bwMode="auto">
-          <a:xfrm>
-            <a:off x="94904" y="4550182"/>
-            <a:ext cx="2233959" cy="2134855"/>
-          </a:xfrm>
-          <a:prstGeom prst="rect">
-            <a:avLst/>
-          </a:prstGeom>
-          <a:noFill/>
-          <a:extLst>
-            <a:ext uri="{909E8E84-426E-40DD-AFC4-6F175D3DCCD1}">
-              <a14:hiddenFill xmlns:a14="http://schemas.microsoft.com/office/drawing/2010/main">
-                <a:solidFill>
-                  <a:srgbClr val="FFFFFF"/>
-                </a:solidFill>
-              </a14:hiddenFill>
-            </a:ext>
-          </a:extLst>
-        </p:spPr>
-      </p:pic>
-      <p:pic>
-        <p:nvPicPr>
-          <p:cNvPr id="1028" name="Picture 4" descr="Image result for female human as demon"/>
-          <p:cNvPicPr>
-            <a:picLocks noChangeAspect="1" noChangeArrowheads="1"/>
-          </p:cNvPicPr>
-          <p:nvPr/>
-        </p:nvPicPr>
-        <p:blipFill>
-          <a:blip r:embed="rId9" cstate="print">
-            <a:extLst>
-              <a:ext uri="{28A0092B-C50C-407E-A947-70E740481C1C}">
-                <a14:useLocalDpi xmlns:a14="http://schemas.microsoft.com/office/drawing/2010/main" val="0"/>
-              </a:ext>
-            </a:extLst>
-          </a:blip>
-          <a:srcRect/>
-          <a:stretch>
-            <a:fillRect/>
-          </a:stretch>
-        </p:blipFill>
-        <p:spPr bwMode="auto">
-          <a:xfrm>
-            <a:off x="4399201" y="5059006"/>
-            <a:ext cx="2582380" cy="1721587"/>
-          </a:xfrm>
-          <a:prstGeom prst="rect">
-            <a:avLst/>
-          </a:prstGeom>
-          <a:noFill/>
-          <a:extLst>
-            <a:ext uri="{909E8E84-426E-40DD-AFC4-6F175D3DCCD1}">
-              <a14:hiddenFill xmlns:a14="http://schemas.microsoft.com/office/drawing/2010/main">
-                <a:solidFill>
-                  <a:srgbClr val="FFFFFF"/>
-                </a:solidFill>
-              </a14:hiddenFill>
-            </a:ext>
-          </a:extLst>
-        </p:spPr>
-      </p:pic>
-      <p:pic>
-        <p:nvPicPr>
-          <p:cNvPr id="1030" name="Picture 6" descr="Image result for female human as demon"/>
-          <p:cNvPicPr>
-            <a:picLocks noChangeAspect="1" noChangeArrowheads="1"/>
-          </p:cNvPicPr>
-          <p:nvPr/>
-        </p:nvPicPr>
-        <p:blipFill>
-          <a:blip r:embed="rId10" cstate="print">
-            <a:extLst>
-              <a:ext uri="{28A0092B-C50C-407E-A947-70E740481C1C}">
-                <a14:useLocalDpi xmlns:a14="http://schemas.microsoft.com/office/drawing/2010/main" val="0"/>
-              </a:ext>
-            </a:extLst>
-          </a:blip>
-          <a:srcRect/>
-          <a:stretch>
-            <a:fillRect/>
-          </a:stretch>
-        </p:blipFill>
-        <p:spPr bwMode="auto">
-          <a:xfrm>
-            <a:off x="8478042" y="5087917"/>
-            <a:ext cx="3037922" cy="1708831"/>
-          </a:xfrm>
-          <a:prstGeom prst="rect">
-            <a:avLst/>
-          </a:prstGeom>
-          <a:noFill/>
-          <a:effectLst>
-            <a:glow>
-              <a:schemeClr val="accent1">
-                <a:alpha val="40000"/>
-              </a:schemeClr>
-            </a:glow>
-          </a:effectLst>
-          <a:extLst>
-            <a:ext uri="{909E8E84-426E-40DD-AFC4-6F175D3DCCD1}">
-              <a14:hiddenFill xmlns:a14="http://schemas.microsoft.com/office/drawing/2010/main">
-                <a:solidFill>
-                  <a:srgbClr val="FFFFFF"/>
-                </a:solidFill>
-              </a14:hiddenFill>
-            </a:ext>
-          </a:extLst>
         </p:spPr>
       </p:pic>
     </p:spTree>
     <p:extLst>
       <p:ext uri="{BB962C8B-B14F-4D97-AF65-F5344CB8AC3E}">
-        <p14:creationId xmlns:p14="http://schemas.microsoft.com/office/powerpoint/2010/main" val="3984281975"/>
+        <p14:creationId xmlns:p14="http://schemas.microsoft.com/office/powerpoint/2010/main" val="1712113083"/>
       </p:ext>
     </p:extLst>
   </p:cSld>
@@ -5913,172 +6165,9 @@
           <a:chExt cx="0" cy="0"/>
         </a:xfrm>
       </p:grpSpPr>
-      <p:sp>
-        <p:nvSpPr>
-          <p:cNvPr id="3" name="TextBox 2"/>
-          <p:cNvSpPr txBox="1"/>
-          <p:nvPr/>
-        </p:nvSpPr>
-        <p:spPr>
-          <a:xfrm>
-            <a:off x="1057275" y="1028700"/>
-            <a:ext cx="6210300" cy="4247317"/>
-          </a:xfrm>
-          <a:prstGeom prst="rect">
-            <a:avLst/>
-          </a:prstGeom>
-          <a:noFill/>
-        </p:spPr>
-        <p:txBody>
-          <a:bodyPr wrap="square" rtlCol="0">
-            <a:spAutoFit/>
-          </a:bodyPr>
-          <a:lstStyle/>
-          <a:p>
-            <a:r>
-              <a:rPr lang="en-US" dirty="0" smtClean="0"/>
-              <a:t>Mechanics</a:t>
-            </a:r>
-          </a:p>
-          <a:p>
-            <a:pPr marL="285750" indent="-285750">
-              <a:buFont typeface="Arial" panose="020B0604020202020204" pitchFamily="34" charset="0"/>
-              <a:buChar char="•"/>
-            </a:pPr>
-            <a:r>
-              <a:rPr lang="en-US" dirty="0" smtClean="0"/>
-              <a:t>Switch back and forth between Demon and Human Modes?</a:t>
-            </a:r>
-          </a:p>
-          <a:p>
-            <a:pPr marL="285750" indent="-285750">
-              <a:buFont typeface="Arial" panose="020B0604020202020204" pitchFamily="34" charset="0"/>
-              <a:buChar char="•"/>
-            </a:pPr>
-            <a:r>
-              <a:rPr lang="en-US" dirty="0" smtClean="0"/>
-              <a:t>GBT can be shot out, and returns to player</a:t>
-            </a:r>
-          </a:p>
-          <a:p>
-            <a:pPr marL="285750" indent="-285750">
-              <a:buFont typeface="Arial" panose="020B0604020202020204" pitchFamily="34" charset="0"/>
-              <a:buChar char="•"/>
-            </a:pPr>
-            <a:r>
-              <a:rPr lang="en-US" dirty="0" smtClean="0"/>
-              <a:t>Shield creates method for defending</a:t>
-            </a:r>
-          </a:p>
-          <a:p>
-            <a:pPr marL="285750" indent="-285750">
-              <a:buFont typeface="Arial" panose="020B0604020202020204" pitchFamily="34" charset="0"/>
-              <a:buChar char="•"/>
-            </a:pPr>
-            <a:r>
-              <a:rPr lang="en-US" dirty="0" smtClean="0"/>
-              <a:t>Goblins have different </a:t>
-            </a:r>
-            <a:r>
-              <a:rPr lang="en-US" dirty="0" smtClean="0"/>
-              <a:t>weapons</a:t>
-            </a:r>
-          </a:p>
-          <a:p>
-            <a:pPr marL="285750" indent="-285750">
-              <a:buFont typeface="Arial" panose="020B0604020202020204" pitchFamily="34" charset="0"/>
-              <a:buChar char="•"/>
-            </a:pPr>
-            <a:r>
-              <a:rPr lang="en-US" dirty="0" smtClean="0"/>
-              <a:t>Sneaking is an option when in Human Form</a:t>
-            </a:r>
-          </a:p>
-          <a:p>
-            <a:pPr marL="285750" indent="-285750">
-              <a:buFont typeface="Arial" panose="020B0604020202020204" pitchFamily="34" charset="0"/>
-              <a:buChar char="•"/>
-            </a:pPr>
-            <a:r>
-              <a:rPr lang="en-US" dirty="0" smtClean="0"/>
-              <a:t>Can only walk when in Demon Form</a:t>
-            </a:r>
-            <a:endParaRPr lang="en-US" dirty="0" smtClean="0"/>
-          </a:p>
-          <a:p>
-            <a:endParaRPr lang="en-US" dirty="0"/>
-          </a:p>
-          <a:p>
-            <a:r>
-              <a:rPr lang="en-US" dirty="0" smtClean="0"/>
-              <a:t>Level Design Mechanics</a:t>
-            </a:r>
-          </a:p>
-          <a:p>
-            <a:pPr marL="285750" indent="-285750">
-              <a:buFont typeface="Arial" panose="020B0604020202020204" pitchFamily="34" charset="0"/>
-              <a:buChar char="•"/>
-            </a:pPr>
-            <a:r>
-              <a:rPr lang="en-US" dirty="0" smtClean="0"/>
-              <a:t>Traps</a:t>
-            </a:r>
-          </a:p>
-          <a:p>
-            <a:pPr marL="742950" lvl="1" indent="-285750">
-              <a:buFont typeface="Arial" panose="020B0604020202020204" pitchFamily="34" charset="0"/>
-              <a:buChar char="•"/>
-            </a:pPr>
-            <a:r>
-              <a:rPr lang="en-US" dirty="0" smtClean="0"/>
-              <a:t>Spikes</a:t>
-            </a:r>
-          </a:p>
-          <a:p>
-            <a:pPr marL="742950" lvl="1" indent="-285750">
-              <a:buFont typeface="Arial" panose="020B0604020202020204" pitchFamily="34" charset="0"/>
-              <a:buChar char="•"/>
-            </a:pPr>
-            <a:r>
-              <a:rPr lang="en-US" dirty="0" smtClean="0"/>
-              <a:t>Pits</a:t>
-            </a:r>
-          </a:p>
-          <a:p>
-            <a:pPr marL="742950" lvl="1" indent="-285750">
-              <a:buFont typeface="Arial" panose="020B0604020202020204" pitchFamily="34" charset="0"/>
-              <a:buChar char="•"/>
-            </a:pPr>
-            <a:r>
-              <a:rPr lang="en-US" dirty="0" smtClean="0"/>
-              <a:t>Arrow Trap</a:t>
-            </a:r>
-          </a:p>
-          <a:p>
-            <a:pPr marL="742950" lvl="1" indent="-285750">
-              <a:buFont typeface="Arial" panose="020B0604020202020204" pitchFamily="34" charset="0"/>
-              <a:buChar char="•"/>
-            </a:pPr>
-            <a:r>
-              <a:rPr lang="en-US" dirty="0" smtClean="0"/>
-              <a:t>Paralyzing Trap</a:t>
-            </a:r>
-          </a:p>
-          <a:p>
-            <a:pPr marL="285750" indent="-285750">
-              <a:buFont typeface="Arial" panose="020B0604020202020204" pitchFamily="34" charset="0"/>
-              <a:buChar char="•"/>
-            </a:pPr>
-            <a:r>
-              <a:rPr lang="en-US" dirty="0" smtClean="0"/>
-              <a:t>Platforming</a:t>
-            </a:r>
-          </a:p>
-        </p:txBody>
-      </p:sp>
       <p:pic>
         <p:nvPicPr>
-          <p:cNvPr id="4" name="Picture 3"/>
+          <p:cNvPr id="18" name="Picture 17"/>
           <p:cNvPicPr>
             <a:picLocks noChangeAspect="1"/>
           </p:cNvPicPr>
@@ -6092,24 +6181,407 @@
         </p:blipFill>
         <p:spPr>
           <a:xfrm>
-            <a:off x="4841420" y="3101009"/>
-            <a:ext cx="6321156" cy="3089412"/>
+            <a:off x="825314" y="739317"/>
+            <a:ext cx="895350" cy="4991100"/>
           </a:xfrm>
           <a:prstGeom prst="rect">
             <a:avLst/>
           </a:prstGeom>
         </p:spPr>
       </p:pic>
+      <p:sp>
+        <p:nvSpPr>
+          <p:cNvPr id="15" name="Rectangle 14"/>
+          <p:cNvSpPr/>
+          <p:nvPr/>
+        </p:nvSpPr>
+        <p:spPr>
+          <a:xfrm>
+            <a:off x="2807745" y="1948070"/>
+            <a:ext cx="6151463" cy="2274306"/>
+          </a:xfrm>
+          <a:prstGeom prst="rect">
+            <a:avLst/>
+          </a:prstGeom>
+          <a:noFill/>
+        </p:spPr>
+        <p:style>
+          <a:lnRef idx="2">
+            <a:schemeClr val="accent1">
+              <a:shade val="50000"/>
+            </a:schemeClr>
+          </a:lnRef>
+          <a:fillRef idx="1">
+            <a:schemeClr val="accent1"/>
+          </a:fillRef>
+          <a:effectRef idx="0">
+            <a:schemeClr val="accent1"/>
+          </a:effectRef>
+          <a:fontRef idx="minor">
+            <a:schemeClr val="lt1"/>
+          </a:fontRef>
+        </p:style>
+        <p:txBody>
+          <a:bodyPr rtlCol="0" anchor="ctr"/>
+          <a:lstStyle/>
+          <a:p>
+            <a:pPr algn="ctr"/>
+            <a:endParaRPr lang="en-US"/>
+          </a:p>
+        </p:txBody>
+      </p:sp>
+      <p:cxnSp>
+        <p:nvCxnSpPr>
+          <p:cNvPr id="8" name="Straight Connector 7"/>
+          <p:cNvCxnSpPr/>
+          <p:nvPr/>
+        </p:nvCxnSpPr>
+        <p:spPr>
+          <a:xfrm>
+            <a:off x="8959208" y="4222376"/>
+            <a:ext cx="2067380" cy="2043954"/>
+          </a:xfrm>
+          <a:prstGeom prst="line">
+            <a:avLst/>
+          </a:prstGeom>
+        </p:spPr>
+        <p:style>
+          <a:lnRef idx="1">
+            <a:schemeClr val="accent1"/>
+          </a:lnRef>
+          <a:fillRef idx="0">
+            <a:schemeClr val="accent1"/>
+          </a:fillRef>
+          <a:effectRef idx="0">
+            <a:schemeClr val="accent1"/>
+          </a:effectRef>
+          <a:fontRef idx="minor">
+            <a:schemeClr val="tx1"/>
+          </a:fontRef>
+        </p:style>
+      </p:cxnSp>
+      <p:cxnSp>
+        <p:nvCxnSpPr>
+          <p:cNvPr id="9" name="Straight Connector 8"/>
+          <p:cNvCxnSpPr/>
+          <p:nvPr/>
+        </p:nvCxnSpPr>
+        <p:spPr>
+          <a:xfrm flipV="1">
+            <a:off x="815788" y="4239547"/>
+            <a:ext cx="2021542" cy="2044712"/>
+          </a:xfrm>
+          <a:prstGeom prst="line">
+            <a:avLst/>
+          </a:prstGeom>
+        </p:spPr>
+        <p:style>
+          <a:lnRef idx="1">
+            <a:schemeClr val="accent1"/>
+          </a:lnRef>
+          <a:fillRef idx="0">
+            <a:schemeClr val="accent1"/>
+          </a:fillRef>
+          <a:effectRef idx="0">
+            <a:schemeClr val="accent1"/>
+          </a:effectRef>
+          <a:fontRef idx="minor">
+            <a:schemeClr val="tx1"/>
+          </a:fontRef>
+        </p:style>
+      </p:cxnSp>
+      <p:cxnSp>
+        <p:nvCxnSpPr>
+          <p:cNvPr id="10" name="Straight Connector 9"/>
+          <p:cNvCxnSpPr/>
+          <p:nvPr/>
+        </p:nvCxnSpPr>
+        <p:spPr>
+          <a:xfrm>
+            <a:off x="1290918" y="448430"/>
+            <a:ext cx="1516827" cy="1499640"/>
+          </a:xfrm>
+          <a:prstGeom prst="line">
+            <a:avLst/>
+          </a:prstGeom>
+        </p:spPr>
+        <p:style>
+          <a:lnRef idx="1">
+            <a:schemeClr val="accent1"/>
+          </a:lnRef>
+          <a:fillRef idx="0">
+            <a:schemeClr val="accent1"/>
+          </a:fillRef>
+          <a:effectRef idx="0">
+            <a:schemeClr val="accent1"/>
+          </a:effectRef>
+          <a:fontRef idx="minor">
+            <a:schemeClr val="tx1"/>
+          </a:fontRef>
+        </p:style>
+      </p:cxnSp>
+      <p:cxnSp>
+        <p:nvCxnSpPr>
+          <p:cNvPr id="14" name="Straight Connector 13"/>
+          <p:cNvCxnSpPr/>
+          <p:nvPr/>
+        </p:nvCxnSpPr>
+        <p:spPr>
+          <a:xfrm rot="5400000">
+            <a:off x="8950616" y="465794"/>
+            <a:ext cx="1516827" cy="1499640"/>
+          </a:xfrm>
+          <a:prstGeom prst="line">
+            <a:avLst/>
+          </a:prstGeom>
+        </p:spPr>
+        <p:style>
+          <a:lnRef idx="1">
+            <a:schemeClr val="accent1"/>
+          </a:lnRef>
+          <a:fillRef idx="0">
+            <a:schemeClr val="accent1"/>
+          </a:fillRef>
+          <a:effectRef idx="0">
+            <a:schemeClr val="accent1"/>
+          </a:effectRef>
+          <a:fontRef idx="minor">
+            <a:schemeClr val="tx1"/>
+          </a:fontRef>
+        </p:style>
+      </p:cxnSp>
+      <p:sp>
+        <p:nvSpPr>
+          <p:cNvPr id="2" name="Rectangle 1"/>
+          <p:cNvSpPr/>
+          <p:nvPr/>
+        </p:nvSpPr>
+        <p:spPr>
+          <a:xfrm>
+            <a:off x="815788" y="457200"/>
+            <a:ext cx="10192871" cy="5827059"/>
+          </a:xfrm>
+          <a:prstGeom prst="rect">
+            <a:avLst/>
+          </a:prstGeom>
+          <a:noFill/>
+        </p:spPr>
+        <p:style>
+          <a:lnRef idx="2">
+            <a:schemeClr val="accent1">
+              <a:shade val="50000"/>
+            </a:schemeClr>
+          </a:lnRef>
+          <a:fillRef idx="1">
+            <a:schemeClr val="accent1"/>
+          </a:fillRef>
+          <a:effectRef idx="0">
+            <a:schemeClr val="accent1"/>
+          </a:effectRef>
+          <a:fontRef idx="minor">
+            <a:schemeClr val="lt1"/>
+          </a:fontRef>
+        </p:style>
+        <p:txBody>
+          <a:bodyPr rtlCol="0" anchor="ctr"/>
+          <a:lstStyle/>
+          <a:p>
+            <a:pPr algn="ctr"/>
+            <a:endParaRPr lang="en-US"/>
+          </a:p>
+        </p:txBody>
+      </p:sp>
+      <p:sp>
+        <p:nvSpPr>
+          <p:cNvPr id="3" name="Oval 2"/>
+          <p:cNvSpPr/>
+          <p:nvPr/>
+        </p:nvSpPr>
+        <p:spPr>
+          <a:xfrm>
+            <a:off x="1075765" y="5369859"/>
+            <a:ext cx="699247" cy="699247"/>
+          </a:xfrm>
+          <a:prstGeom prst="ellipse">
+            <a:avLst/>
+          </a:prstGeom>
+          <a:solidFill>
+            <a:schemeClr val="bg1">
+              <a:lumMod val="85000"/>
+            </a:schemeClr>
+          </a:solidFill>
+          <a:ln>
+            <a:solidFill>
+              <a:schemeClr val="bg1">
+                <a:lumMod val="75000"/>
+              </a:schemeClr>
+            </a:solidFill>
+          </a:ln>
+          <a:effectLst>
+            <a:glow rad="228600">
+              <a:schemeClr val="accent3">
+                <a:satMod val="175000"/>
+                <a:alpha val="40000"/>
+              </a:schemeClr>
+            </a:glow>
+            <a:softEdge rad="63500"/>
+          </a:effectLst>
+        </p:spPr>
+        <p:style>
+          <a:lnRef idx="2">
+            <a:schemeClr val="accent1">
+              <a:shade val="50000"/>
+            </a:schemeClr>
+          </a:lnRef>
+          <a:fillRef idx="1">
+            <a:schemeClr val="accent1"/>
+          </a:fillRef>
+          <a:effectRef idx="0">
+            <a:schemeClr val="accent1"/>
+          </a:effectRef>
+          <a:fontRef idx="minor">
+            <a:schemeClr val="lt1"/>
+          </a:fontRef>
+        </p:style>
+        <p:txBody>
+          <a:bodyPr rtlCol="0" anchor="ctr"/>
+          <a:lstStyle/>
+          <a:p>
+            <a:pPr algn="ctr"/>
+            <a:endParaRPr lang="en-US"/>
+          </a:p>
+        </p:txBody>
+      </p:sp>
+      <p:pic>
+        <p:nvPicPr>
+          <p:cNvPr id="5" name="Picture 4"/>
+          <p:cNvPicPr>
+            <a:picLocks noChangeAspect="1"/>
+          </p:cNvPicPr>
+          <p:nvPr/>
+        </p:nvPicPr>
+        <p:blipFill>
+          <a:blip r:embed="rId3"/>
+          <a:stretch>
+            <a:fillRect/>
+          </a:stretch>
+        </p:blipFill>
+        <p:spPr>
+          <a:xfrm>
+            <a:off x="10293488" y="618005"/>
+            <a:ext cx="544000" cy="439830"/>
+          </a:xfrm>
+          <a:prstGeom prst="rect">
+            <a:avLst/>
+          </a:prstGeom>
+        </p:spPr>
+      </p:pic>
+      <p:pic>
+        <p:nvPicPr>
+          <p:cNvPr id="17" name="Picture 16"/>
+          <p:cNvPicPr>
+            <a:picLocks noChangeAspect="1"/>
+          </p:cNvPicPr>
+          <p:nvPr/>
+        </p:nvPicPr>
+        <p:blipFill>
+          <a:blip r:embed="rId4"/>
+          <a:stretch>
+            <a:fillRect/>
+          </a:stretch>
+        </p:blipFill>
+        <p:spPr>
+          <a:xfrm>
+            <a:off x="3424911" y="2464903"/>
+            <a:ext cx="783123" cy="1757473"/>
+          </a:xfrm>
+          <a:prstGeom prst="rect">
+            <a:avLst/>
+          </a:prstGeom>
+        </p:spPr>
+      </p:pic>
+      <p:pic>
+        <p:nvPicPr>
+          <p:cNvPr id="11" name="Picture 10"/>
+          <p:cNvPicPr>
+            <a:picLocks noChangeAspect="1"/>
+          </p:cNvPicPr>
+          <p:nvPr/>
+        </p:nvPicPr>
+        <p:blipFill>
+          <a:blip r:embed="rId5">
+            <a:clrChange>
+              <a:clrFrom>
+                <a:srgbClr val="FFFFFF"/>
+              </a:clrFrom>
+              <a:clrTo>
+                <a:srgbClr val="FFFFFF">
+                  <a:alpha val="0"/>
+                </a:srgbClr>
+              </a:clrTo>
+            </a:clrChange>
+          </a:blip>
+          <a:stretch>
+            <a:fillRect/>
+          </a:stretch>
+        </p:blipFill>
+        <p:spPr>
+          <a:xfrm>
+            <a:off x="10388787" y="5289105"/>
+            <a:ext cx="353402" cy="744400"/>
+          </a:xfrm>
+          <a:prstGeom prst="rect">
+            <a:avLst/>
+          </a:prstGeom>
+        </p:spPr>
+      </p:pic>
+      <p:sp>
+        <p:nvSpPr>
+          <p:cNvPr id="16" name="TextBox 15"/>
+          <p:cNvSpPr txBox="1"/>
+          <p:nvPr/>
+        </p:nvSpPr>
+        <p:spPr>
+          <a:xfrm>
+            <a:off x="4890266" y="828918"/>
+            <a:ext cx="1792478" cy="369332"/>
+          </a:xfrm>
+          <a:prstGeom prst="rect">
+            <a:avLst/>
+          </a:prstGeom>
+          <a:noFill/>
+        </p:spPr>
+        <p:txBody>
+          <a:bodyPr wrap="none" rtlCol="0">
+            <a:spAutoFit/>
+          </a:bodyPr>
+          <a:lstStyle/>
+          <a:p>
+            <a:r>
+              <a:rPr lang="en-US" dirty="0" smtClean="0"/>
+              <a:t>Human - Walking</a:t>
+            </a:r>
+            <a:endParaRPr lang="en-US" dirty="0"/>
+          </a:p>
+        </p:txBody>
+      </p:sp>
     </p:spTree>
     <p:extLst>
       <p:ext uri="{BB962C8B-B14F-4D97-AF65-F5344CB8AC3E}">
-        <p14:creationId xmlns:p14="http://schemas.microsoft.com/office/powerpoint/2010/main" val="1712113083"/>
+        <p14:creationId xmlns:p14="http://schemas.microsoft.com/office/powerpoint/2010/main" val="2655760841"/>
       </p:ext>
     </p:extLst>
   </p:cSld>
   <p:clrMapOvr>
     <a:masterClrMapping/>
   </p:clrMapOvr>
+  <p:timing>
+    <p:tnLst>
+      <p:par>
+        <p:cTn id="1" dur="indefinite" restart="never" nodeType="tmRoot"/>
+      </p:par>
+    </p:tnLst>
+  </p:timing>
 </p:sld>
 </file>
 
@@ -6371,13 +6843,22 @@
             <a:avLst/>
           </a:prstGeom>
           <a:solidFill>
-            <a:srgbClr val="92D050"/>
+            <a:schemeClr val="bg1">
+              <a:lumMod val="85000"/>
+            </a:schemeClr>
           </a:solidFill>
+          <a:ln>
+            <a:solidFill>
+              <a:schemeClr val="bg1">
+                <a:lumMod val="75000"/>
+              </a:schemeClr>
+            </a:solidFill>
+          </a:ln>
           <a:effectLst>
             <a:glow rad="228600">
-              <a:schemeClr val="accent6">
+              <a:schemeClr val="accent3">
                 <a:satMod val="175000"/>
-                <a:alpha val="63000"/>
+                <a:alpha val="40000"/>
               </a:schemeClr>
             </a:glow>
             <a:softEdge rad="63500"/>
@@ -6408,61 +6889,9 @@
           </a:p>
         </p:txBody>
       </p:sp>
-      <p:sp>
-        <p:nvSpPr>
-          <p:cNvPr id="4" name="Oval 3"/>
-          <p:cNvSpPr/>
-          <p:nvPr/>
-        </p:nvSpPr>
-        <p:spPr>
-          <a:xfrm>
-            <a:off x="4966448" y="4222376"/>
-            <a:ext cx="1766046" cy="1766046"/>
-          </a:xfrm>
-          <a:prstGeom prst="ellipse">
-            <a:avLst/>
-          </a:prstGeom>
-          <a:solidFill>
-            <a:srgbClr val="92D050"/>
-          </a:solidFill>
-          <a:effectLst>
-            <a:glow rad="228600">
-              <a:schemeClr val="accent6">
-                <a:satMod val="175000"/>
-                <a:alpha val="63000"/>
-              </a:schemeClr>
-            </a:glow>
-            <a:softEdge rad="63500"/>
-          </a:effectLst>
-        </p:spPr>
-        <p:style>
-          <a:lnRef idx="2">
-            <a:schemeClr val="accent1">
-              <a:shade val="50000"/>
-            </a:schemeClr>
-          </a:lnRef>
-          <a:fillRef idx="1">
-            <a:schemeClr val="accent1"/>
-          </a:fillRef>
-          <a:effectRef idx="0">
-            <a:schemeClr val="accent1"/>
-          </a:effectRef>
-          <a:fontRef idx="minor">
-            <a:schemeClr val="lt1"/>
-          </a:fontRef>
-        </p:style>
-        <p:txBody>
-          <a:bodyPr rtlCol="0" anchor="ctr"/>
-          <a:lstStyle/>
-          <a:p>
-            <a:pPr algn="ctr"/>
-            <a:endParaRPr lang="en-US"/>
-          </a:p>
-        </p:txBody>
-      </p:sp>
       <p:pic>
         <p:nvPicPr>
-          <p:cNvPr id="6" name="Picture 5"/>
+          <p:cNvPr id="5" name="Picture 4"/>
           <p:cNvPicPr>
             <a:picLocks noChangeAspect="1"/>
           </p:cNvPicPr>
@@ -6476,8 +6905,8 @@
         </p:blipFill>
         <p:spPr>
           <a:xfrm>
-            <a:off x="10237164" y="637885"/>
-            <a:ext cx="532446" cy="439830"/>
+            <a:off x="10293488" y="618005"/>
+            <a:ext cx="544000" cy="439830"/>
           </a:xfrm>
           <a:prstGeom prst="rect">
             <a:avLst/>
@@ -6510,7 +6939,7 @@
       </p:pic>
       <p:pic>
         <p:nvPicPr>
-          <p:cNvPr id="19" name="Picture 18"/>
+          <p:cNvPr id="7" name="Picture 6"/>
           <p:cNvPicPr>
             <a:picLocks noChangeAspect="1"/>
           </p:cNvPicPr>
@@ -6535,8 +6964,8 @@
         </p:blipFill>
         <p:spPr>
           <a:xfrm>
-            <a:off x="10388787" y="5289105"/>
-            <a:ext cx="353402" cy="744400"/>
+            <a:off x="10293488" y="5369859"/>
+            <a:ext cx="489704" cy="744399"/>
           </a:xfrm>
           <a:prstGeom prst="rect">
             <a:avLst/>
@@ -6545,14 +6974,14 @@
       </p:pic>
       <p:sp>
         <p:nvSpPr>
-          <p:cNvPr id="20" name="TextBox 19"/>
+          <p:cNvPr id="19" name="TextBox 18"/>
           <p:cNvSpPr txBox="1"/>
           <p:nvPr/>
         </p:nvSpPr>
         <p:spPr>
           <a:xfrm>
-            <a:off x="4890266" y="828918"/>
-            <a:ext cx="1918410" cy="369332"/>
+            <a:off x="5003160" y="828918"/>
+            <a:ext cx="1818126" cy="369332"/>
           </a:xfrm>
           <a:prstGeom prst="rect">
             <a:avLst/>
@@ -6567,7 +6996,7 @@
           <a:p>
             <a:r>
               <a:rPr lang="en-US" dirty="0" smtClean="0"/>
-              <a:t>Demon - Attacking</a:t>
+              <a:t>Human - Running</a:t>
             </a:r>
             <a:endParaRPr lang="en-US" dirty="0"/>
           </a:p>
@@ -6576,7 +7005,7 @@
     </p:spTree>
     <p:extLst>
       <p:ext uri="{BB962C8B-B14F-4D97-AF65-F5344CB8AC3E}">
-        <p14:creationId xmlns:p14="http://schemas.microsoft.com/office/powerpoint/2010/main" val="1285298127"/>
+        <p14:creationId xmlns:p14="http://schemas.microsoft.com/office/powerpoint/2010/main" val="1906329488"/>
       </p:ext>
     </p:extLst>
   </p:cSld>
@@ -6947,7 +7376,7 @@
       </p:pic>
       <p:pic>
         <p:nvPicPr>
-          <p:cNvPr id="11" name="Picture 10"/>
+          <p:cNvPr id="4" name="Picture 3"/>
           <p:cNvPicPr>
             <a:picLocks noChangeAspect="1"/>
           </p:cNvPicPr>
@@ -6972,8 +7401,8 @@
         </p:blipFill>
         <p:spPr>
           <a:xfrm>
-            <a:off x="10388787" y="5289105"/>
-            <a:ext cx="353402" cy="744400"/>
+            <a:off x="10312843" y="5358217"/>
+            <a:ext cx="505289" cy="744399"/>
           </a:xfrm>
           <a:prstGeom prst="rect">
             <a:avLst/>
@@ -6982,14 +7411,14 @@
       </p:pic>
       <p:sp>
         <p:nvSpPr>
-          <p:cNvPr id="16" name="TextBox 15"/>
+          <p:cNvPr id="19" name="TextBox 18"/>
           <p:cNvSpPr txBox="1"/>
           <p:nvPr/>
         </p:nvSpPr>
         <p:spPr>
           <a:xfrm>
-            <a:off x="4890266" y="828918"/>
-            <a:ext cx="1792478" cy="369332"/>
+            <a:off x="4969496" y="828918"/>
+            <a:ext cx="1885453" cy="369332"/>
           </a:xfrm>
           <a:prstGeom prst="rect">
             <a:avLst/>
@@ -7004,7 +7433,7 @@
           <a:p>
             <a:r>
               <a:rPr lang="en-US" dirty="0" smtClean="0"/>
-              <a:t>Human - Walking</a:t>
+              <a:t>Human - Sneaking</a:t>
             </a:r>
             <a:endParaRPr lang="en-US" dirty="0"/>
           </a:p>
@@ -7013,7 +7442,7 @@
     </p:spTree>
     <p:extLst>
       <p:ext uri="{BB962C8B-B14F-4D97-AF65-F5344CB8AC3E}">
-        <p14:creationId xmlns:p14="http://schemas.microsoft.com/office/powerpoint/2010/main" val="2655760841"/>
+        <p14:creationId xmlns:p14="http://schemas.microsoft.com/office/powerpoint/2010/main" val="2491415259"/>
       </p:ext>
     </p:extLst>
   </p:cSld>

--- a/PPT - paper prototype.pptx
+++ b/PPT - paper prototype.pptx
@@ -16,7 +16,8 @@
     <p:sldId id="266" r:id="rId10"/>
     <p:sldId id="263" r:id="rId11"/>
     <p:sldId id="260" r:id="rId12"/>
-    <p:sldId id="267" r:id="rId13"/>
+    <p:sldId id="268" r:id="rId13"/>
+    <p:sldId id="267" r:id="rId14"/>
   </p:sldIdLst>
   <p:sldSz cx="12192000" cy="6858000"/>
   <p:notesSz cx="6858000" cy="9144000"/>
@@ -3061,15 +3062,15 @@
           <a:lstStyle/>
           <a:p>
             <a:r>
-              <a:rPr lang="en-US" sz="1100" dirty="0" smtClean="0"/>
+              <a:rPr lang="en-US" sz="1100" b="1" dirty="0" smtClean="0"/>
               <a:t>Team </a:t>
             </a:r>
             <a:r>
-              <a:rPr lang="en-US" sz="1100" dirty="0" err="1" smtClean="0"/>
+              <a:rPr lang="en-US" sz="1100" b="1" dirty="0" err="1" smtClean="0"/>
               <a:t>Dirtbag</a:t>
             </a:r>
             <a:r>
-              <a:rPr lang="en-US" sz="1100" dirty="0" smtClean="0"/>
+              <a:rPr lang="en-US" sz="1100" b="1" dirty="0" smtClean="0"/>
               <a:t> is:</a:t>
             </a:r>
           </a:p>
@@ -3702,173 +3703,11 @@
           <a:chExt cx="0" cy="0"/>
         </a:xfrm>
       </p:grpSpPr>
-      <p:sp>
-        <p:nvSpPr>
-          <p:cNvPr id="2" name="TextBox 1"/>
-          <p:cNvSpPr txBox="1"/>
-          <p:nvPr/>
-        </p:nvSpPr>
-        <p:spPr>
-          <a:xfrm>
-            <a:off x="628649" y="904875"/>
-            <a:ext cx="8486775" cy="1292662"/>
-          </a:xfrm>
-          <a:prstGeom prst="rect">
-            <a:avLst/>
-          </a:prstGeom>
-          <a:noFill/>
-        </p:spPr>
-        <p:txBody>
-          <a:bodyPr wrap="square" rtlCol="0">
-            <a:spAutoFit/>
-          </a:bodyPr>
-          <a:lstStyle/>
-          <a:p>
-            <a:r>
-              <a:rPr lang="en-US" sz="2400" b="1" dirty="0" smtClean="0"/>
-              <a:t>Other Game details</a:t>
-            </a:r>
-          </a:p>
-          <a:p>
-            <a:pPr marL="285750" indent="-285750">
-              <a:buFont typeface="Arial" panose="020B0604020202020204" pitchFamily="34" charset="0"/>
-              <a:buChar char="•"/>
-            </a:pPr>
-            <a:r>
-              <a:rPr lang="en-US" dirty="0" smtClean="0"/>
-              <a:t>Leveling </a:t>
-            </a:r>
-            <a:r>
-              <a:rPr lang="en-US" dirty="0" smtClean="0"/>
-              <a:t>up will improve various abilities and stats of GBT</a:t>
-            </a:r>
-          </a:p>
-          <a:p>
-            <a:pPr marL="285750" indent="-285750">
-              <a:buFont typeface="Arial" panose="020B0604020202020204" pitchFamily="34" charset="0"/>
-              <a:buChar char="•"/>
-            </a:pPr>
-            <a:r>
-              <a:rPr lang="en-US" dirty="0" smtClean="0"/>
-              <a:t>Remainder of game, past tutorial, is not known yet</a:t>
-            </a:r>
-            <a:r>
-              <a:rPr lang="en-US" dirty="0" smtClean="0"/>
-              <a:t>. Varying levels of necessity to sneak vs. attack will be played with, to get the best balance.</a:t>
-            </a:r>
-            <a:endParaRPr lang="en-US" dirty="0"/>
-          </a:p>
-        </p:txBody>
-      </p:sp>
-      <p:sp>
-        <p:nvSpPr>
-          <p:cNvPr id="3" name="TextBox 2"/>
-          <p:cNvSpPr txBox="1"/>
-          <p:nvPr/>
-        </p:nvSpPr>
-        <p:spPr>
-          <a:xfrm>
-            <a:off x="971550" y="3495675"/>
-            <a:ext cx="4506618" cy="2400657"/>
-          </a:xfrm>
-          <a:prstGeom prst="rect">
-            <a:avLst/>
-          </a:prstGeom>
-          <a:noFill/>
-        </p:spPr>
-        <p:txBody>
-          <a:bodyPr wrap="none" rtlCol="0">
-            <a:spAutoFit/>
-          </a:bodyPr>
-          <a:lstStyle/>
-          <a:p>
-            <a:r>
-              <a:rPr lang="en-US" sz="2400" b="1" dirty="0" smtClean="0"/>
-              <a:t>Suggested GBT Upgrades/Abilities</a:t>
-            </a:r>
-          </a:p>
-          <a:p>
-            <a:pPr marL="342900" indent="-342900">
-              <a:buFont typeface="+mj-lt"/>
-              <a:buAutoNum type="arabicPeriod"/>
-            </a:pPr>
-            <a:r>
-              <a:rPr lang="en-US" dirty="0" smtClean="0"/>
-              <a:t>Can be used as a shield</a:t>
-            </a:r>
-          </a:p>
-          <a:p>
-            <a:pPr marL="342900" indent="-342900">
-              <a:buFont typeface="+mj-lt"/>
-              <a:buAutoNum type="arabicPeriod"/>
-            </a:pPr>
-            <a:r>
-              <a:rPr lang="en-US" dirty="0" smtClean="0"/>
-              <a:t>Range/distance </a:t>
-            </a:r>
-            <a:r>
-              <a:rPr lang="en-US" dirty="0" smtClean="0"/>
-              <a:t>lengthening</a:t>
-            </a:r>
-          </a:p>
-          <a:p>
-            <a:pPr marL="342900" indent="-342900">
-              <a:buFont typeface="+mj-lt"/>
-              <a:buAutoNum type="arabicPeriod"/>
-            </a:pPr>
-            <a:r>
-              <a:rPr lang="en-US" dirty="0" smtClean="0"/>
-              <a:t>Size of GBT enlarged</a:t>
-            </a:r>
-          </a:p>
-          <a:p>
-            <a:pPr marL="342900" indent="-342900">
-              <a:buFont typeface="+mj-lt"/>
-              <a:buAutoNum type="arabicPeriod"/>
-            </a:pPr>
-            <a:r>
-              <a:rPr lang="en-US" dirty="0" smtClean="0"/>
-              <a:t>Damage improvement</a:t>
-            </a:r>
-          </a:p>
-          <a:p>
-            <a:pPr marL="342900" indent="-342900">
-              <a:buFont typeface="+mj-lt"/>
-              <a:buAutoNum type="arabicPeriod"/>
-            </a:pPr>
-            <a:r>
-              <a:rPr lang="en-US" dirty="0" smtClean="0"/>
-              <a:t>Elemental effects</a:t>
-            </a:r>
-          </a:p>
-          <a:p>
-            <a:pPr marL="342900" indent="-342900">
-              <a:buFont typeface="+mj-lt"/>
-              <a:buAutoNum type="arabicPeriod"/>
-            </a:pPr>
-            <a:r>
-              <a:rPr lang="en-US" dirty="0" smtClean="0"/>
-              <a:t>Burst Shots</a:t>
-            </a:r>
-          </a:p>
-          <a:p>
-            <a:pPr marL="342900" indent="-342900">
-              <a:buFont typeface="+mj-lt"/>
-              <a:buAutoNum type="arabicPeriod"/>
-            </a:pPr>
-            <a:r>
-              <a:rPr lang="en-US" dirty="0" smtClean="0"/>
-              <a:t>Radius Explosion</a:t>
-            </a:r>
-            <a:endParaRPr lang="en-US" dirty="0"/>
-          </a:p>
-        </p:txBody>
-      </p:sp>
       <p:pic>
         <p:nvPicPr>
-          <p:cNvPr id="1028" name="Picture 4" descr=" glowing GIF"/>
+          <p:cNvPr id="1026" name="Picture 2" descr="Image result for demon princess"/>
           <p:cNvPicPr>
-            <a:picLocks noChangeAspect="1" noChangeArrowheads="1" noCrop="1"/>
+            <a:picLocks noChangeAspect="1" noChangeArrowheads="1"/>
           </p:cNvPicPr>
           <p:nvPr/>
         </p:nvPicPr>
@@ -3887,8 +3726,8 @@
         </p:blipFill>
         <p:spPr bwMode="auto">
           <a:xfrm>
-            <a:off x="7235824" y="2333625"/>
-            <a:ext cx="3759200" cy="3759200"/>
+            <a:off x="4389823" y="1580369"/>
+            <a:ext cx="7126674" cy="4741615"/>
           </a:xfrm>
           <a:prstGeom prst="rect">
             <a:avLst/>
@@ -3905,6 +3744,70 @@
           </a:extLst>
         </p:spPr>
       </p:pic>
+      <p:sp>
+        <p:nvSpPr>
+          <p:cNvPr id="2" name="TextBox 1"/>
+          <p:cNvSpPr txBox="1"/>
+          <p:nvPr/>
+        </p:nvSpPr>
+        <p:spPr>
+          <a:xfrm>
+            <a:off x="579224" y="838972"/>
+            <a:ext cx="4017490" cy="2954655"/>
+          </a:xfrm>
+          <a:prstGeom prst="rect">
+            <a:avLst/>
+          </a:prstGeom>
+          <a:noFill/>
+        </p:spPr>
+        <p:txBody>
+          <a:bodyPr wrap="square" rtlCol="0">
+            <a:spAutoFit/>
+          </a:bodyPr>
+          <a:lstStyle/>
+          <a:p>
+            <a:r>
+              <a:rPr lang="en-US" sz="2400" b="1" dirty="0" smtClean="0"/>
+              <a:t>Other Game details</a:t>
+            </a:r>
+          </a:p>
+          <a:p>
+            <a:pPr marL="285750" indent="-285750">
+              <a:buFont typeface="Arial" panose="020B0604020202020204" pitchFamily="34" charset="0"/>
+              <a:buChar char="•"/>
+            </a:pPr>
+            <a:r>
+              <a:rPr lang="en-US" dirty="0" smtClean="0"/>
+              <a:t>Leveling up will improve various abilities and stats of GBT</a:t>
+            </a:r>
+          </a:p>
+          <a:p>
+            <a:pPr marL="285750" indent="-285750">
+              <a:buFont typeface="Arial" panose="020B0604020202020204" pitchFamily="34" charset="0"/>
+              <a:buChar char="•"/>
+            </a:pPr>
+            <a:r>
+              <a:rPr lang="en-US" dirty="0" smtClean="0"/>
+              <a:t>Remainder of game, past tutorial, is not known yet. Varying levels of necessity to sneak vs. attack will be played with, to get the best balance</a:t>
+            </a:r>
+            <a:r>
+              <a:rPr lang="en-US" dirty="0" smtClean="0"/>
+              <a:t>.</a:t>
+            </a:r>
+          </a:p>
+          <a:p>
+            <a:pPr marL="285750" indent="-285750">
+              <a:buFont typeface="Arial" panose="020B0604020202020204" pitchFamily="34" charset="0"/>
+              <a:buChar char="•"/>
+            </a:pPr>
+            <a:r>
+              <a:rPr lang="en-US" dirty="0" smtClean="0"/>
+              <a:t>Mild platforming throughout the levels can be leveraged to create more balance as well.</a:t>
+            </a:r>
+            <a:endParaRPr lang="en-US" dirty="0"/>
+          </a:p>
+        </p:txBody>
+      </p:sp>
     </p:spTree>
     <p:extLst>
       <p:ext uri="{BB962C8B-B14F-4D97-AF65-F5344CB8AC3E}">
@@ -3944,6 +3847,184 @@
       </p:grpSpPr>
       <p:sp>
         <p:nvSpPr>
+          <p:cNvPr id="3" name="TextBox 2"/>
+          <p:cNvSpPr txBox="1"/>
+          <p:nvPr/>
+        </p:nvSpPr>
+        <p:spPr>
+          <a:xfrm>
+            <a:off x="1053928" y="2411534"/>
+            <a:ext cx="4506618" cy="2400657"/>
+          </a:xfrm>
+          <a:prstGeom prst="rect">
+            <a:avLst/>
+          </a:prstGeom>
+          <a:noFill/>
+        </p:spPr>
+        <p:txBody>
+          <a:bodyPr wrap="none" rtlCol="0">
+            <a:spAutoFit/>
+          </a:bodyPr>
+          <a:lstStyle/>
+          <a:p>
+            <a:r>
+              <a:rPr lang="en-US" sz="2400" b="1" dirty="0" smtClean="0"/>
+              <a:t>Suggested GBT Upgrades/Abilities</a:t>
+            </a:r>
+          </a:p>
+          <a:p>
+            <a:pPr marL="342900" indent="-342900">
+              <a:buFont typeface="+mj-lt"/>
+              <a:buAutoNum type="arabicPeriod"/>
+            </a:pPr>
+            <a:r>
+              <a:rPr lang="en-US" dirty="0" smtClean="0"/>
+              <a:t>Can be used as a shield</a:t>
+            </a:r>
+          </a:p>
+          <a:p>
+            <a:pPr marL="342900" indent="-342900">
+              <a:buFont typeface="+mj-lt"/>
+              <a:buAutoNum type="arabicPeriod"/>
+            </a:pPr>
+            <a:r>
+              <a:rPr lang="en-US" dirty="0" smtClean="0"/>
+              <a:t>Range/distance lengthening</a:t>
+            </a:r>
+          </a:p>
+          <a:p>
+            <a:pPr marL="342900" indent="-342900">
+              <a:buFont typeface="+mj-lt"/>
+              <a:buAutoNum type="arabicPeriod"/>
+            </a:pPr>
+            <a:r>
+              <a:rPr lang="en-US" dirty="0" smtClean="0"/>
+              <a:t>Size of GBT enlarged</a:t>
+            </a:r>
+          </a:p>
+          <a:p>
+            <a:pPr marL="342900" indent="-342900">
+              <a:buFont typeface="+mj-lt"/>
+              <a:buAutoNum type="arabicPeriod"/>
+            </a:pPr>
+            <a:r>
+              <a:rPr lang="en-US" dirty="0" smtClean="0"/>
+              <a:t>Damage improvement</a:t>
+            </a:r>
+          </a:p>
+          <a:p>
+            <a:pPr marL="342900" indent="-342900">
+              <a:buFont typeface="+mj-lt"/>
+              <a:buAutoNum type="arabicPeriod"/>
+            </a:pPr>
+            <a:r>
+              <a:rPr lang="en-US" dirty="0" smtClean="0"/>
+              <a:t>Elemental effects</a:t>
+            </a:r>
+          </a:p>
+          <a:p>
+            <a:pPr marL="342900" indent="-342900">
+              <a:buFont typeface="+mj-lt"/>
+              <a:buAutoNum type="arabicPeriod"/>
+            </a:pPr>
+            <a:r>
+              <a:rPr lang="en-US" dirty="0" smtClean="0"/>
+              <a:t>Burst Shots</a:t>
+            </a:r>
+          </a:p>
+          <a:p>
+            <a:pPr marL="342900" indent="-342900">
+              <a:buFont typeface="+mj-lt"/>
+              <a:buAutoNum type="arabicPeriod"/>
+            </a:pPr>
+            <a:r>
+              <a:rPr lang="en-US" dirty="0" smtClean="0"/>
+              <a:t>Radius Explosion</a:t>
+            </a:r>
+            <a:endParaRPr lang="en-US" dirty="0"/>
+          </a:p>
+        </p:txBody>
+      </p:sp>
+      <p:pic>
+        <p:nvPicPr>
+          <p:cNvPr id="1028" name="Picture 4" descr=" glowing GIF"/>
+          <p:cNvPicPr>
+            <a:picLocks noChangeAspect="1" noChangeArrowheads="1" noCrop="1"/>
+          </p:cNvPicPr>
+          <p:nvPr/>
+        </p:nvPicPr>
+        <p:blipFill>
+          <a:blip r:embed="rId2">
+            <a:extLst>
+              <a:ext uri="{28A0092B-C50C-407E-A947-70E740481C1C}">
+                <a14:useLocalDpi xmlns:a14="http://schemas.microsoft.com/office/drawing/2010/main" val="0"/>
+              </a:ext>
+            </a:extLst>
+          </a:blip>
+          <a:srcRect/>
+          <a:stretch>
+            <a:fillRect/>
+          </a:stretch>
+        </p:blipFill>
+        <p:spPr bwMode="auto">
+          <a:xfrm>
+            <a:off x="7202872" y="1732262"/>
+            <a:ext cx="3759200" cy="3759200"/>
+          </a:xfrm>
+          <a:prstGeom prst="rect">
+            <a:avLst/>
+          </a:prstGeom>
+          <a:noFill/>
+          <a:extLst>
+            <a:ext uri="{909E8E84-426E-40DD-AFC4-6F175D3DCCD1}">
+              <a14:hiddenFill xmlns:a14="http://schemas.microsoft.com/office/drawing/2010/main">
+                <a:solidFill>
+                  <a:srgbClr val="FFFFFF"/>
+                </a:solidFill>
+              </a14:hiddenFill>
+            </a:ext>
+          </a:extLst>
+        </p:spPr>
+      </p:pic>
+    </p:spTree>
+    <p:extLst>
+      <p:ext uri="{BB962C8B-B14F-4D97-AF65-F5344CB8AC3E}">
+        <p14:creationId xmlns:p14="http://schemas.microsoft.com/office/powerpoint/2010/main" val="4078308366"/>
+      </p:ext>
+    </p:extLst>
+  </p:cSld>
+  <p:clrMapOvr>
+    <a:masterClrMapping/>
+  </p:clrMapOvr>
+  <p:timing>
+    <p:tnLst>
+      <p:par>
+        <p:cTn id="1" dur="indefinite" restart="never" nodeType="tmRoot"/>
+      </p:par>
+    </p:tnLst>
+  </p:timing>
+</p:sld>
+</file>
+
+<file path=ppt/slides/slide13.xml><?xml version="1.0" encoding="utf-8"?>
+<p:sld xmlns:a="http://schemas.openxmlformats.org/drawingml/2006/main" xmlns:r="http://schemas.openxmlformats.org/officeDocument/2006/relationships" xmlns:p="http://schemas.openxmlformats.org/presentationml/2006/main">
+  <p:cSld>
+    <p:spTree>
+      <p:nvGrpSpPr>
+        <p:cNvPr id="1" name=""/>
+        <p:cNvGrpSpPr/>
+        <p:nvPr/>
+      </p:nvGrpSpPr>
+      <p:grpSpPr>
+        <a:xfrm>
+          <a:off x="0" y="0"/>
+          <a:ext cx="0" cy="0"/>
+          <a:chOff x="0" y="0"/>
+          <a:chExt cx="0" cy="0"/>
+        </a:xfrm>
+      </p:grpSpPr>
+      <p:sp>
+        <p:nvSpPr>
           <p:cNvPr id="2" name="Title 1"/>
           <p:cNvSpPr>
             <a:spLocks noGrp="1"/>
@@ -3984,7 +4065,7 @@
         </p:spPr>
         <p:txBody>
           <a:bodyPr>
-            <a:normAutofit lnSpcReduction="10000"/>
+            <a:normAutofit fontScale="92500" lnSpcReduction="20000"/>
           </a:bodyPr>
           <a:lstStyle/>
           <a:p>
@@ -3997,16 +4078,17 @@
             <a:pPr lvl="1"/>
             <a:r>
               <a:rPr lang="en-US" dirty="0" smtClean="0"/>
-              <a:t>2 weeks – Done by </a:t>
-            </a:r>
-            <a:r>
-              <a:rPr lang="en-US" dirty="0"/>
-              <a:t>J</a:t>
+              <a:t>1-2 </a:t>
             </a:r>
             <a:r>
               <a:rPr lang="en-US" dirty="0" smtClean="0"/>
-              <a:t>une 5th</a:t>
-            </a:r>
+              <a:t>weeks – Done by </a:t>
+            </a:r>
+            <a:r>
+              <a:rPr lang="en-US" dirty="0" smtClean="0"/>
+              <a:t>May 31st</a:t>
+            </a:r>
+            <a:endParaRPr lang="en-US" dirty="0" smtClean="0"/>
           </a:p>
           <a:p>
             <a:pPr lvl="1"/>
@@ -4025,8 +4107,17 @@
             <a:pPr lvl="1"/>
             <a:r>
               <a:rPr lang="en-US" dirty="0" smtClean="0"/>
-              <a:t>1 week – Done by June 12th</a:t>
-            </a:r>
+              <a:t>~1 </a:t>
+            </a:r>
+            <a:r>
+              <a:rPr lang="en-US" dirty="0" smtClean="0"/>
+              <a:t>week – Done by June </a:t>
+            </a:r>
+            <a:r>
+              <a:rPr lang="en-US" dirty="0" smtClean="0"/>
+              <a:t>5th</a:t>
+            </a:r>
+            <a:endParaRPr lang="en-US" dirty="0" smtClean="0"/>
           </a:p>
           <a:p>
             <a:pPr lvl="1"/>
@@ -4045,8 +4136,17 @@
             <a:pPr lvl="1"/>
             <a:r>
               <a:rPr lang="en-US" dirty="0" smtClean="0"/>
-              <a:t>1 week – Done by June 19th</a:t>
-            </a:r>
+              <a:t>~1 </a:t>
+            </a:r>
+            <a:r>
+              <a:rPr lang="en-US" dirty="0" smtClean="0"/>
+              <a:t>week – Done by June </a:t>
+            </a:r>
+            <a:r>
+              <a:rPr lang="en-US" dirty="0" smtClean="0"/>
+              <a:t>9th</a:t>
+            </a:r>
+            <a:endParaRPr lang="en-US" dirty="0" smtClean="0"/>
           </a:p>
           <a:p>
             <a:pPr lvl="1"/>
@@ -4065,8 +4165,25 @@
             <a:pPr lvl="1"/>
             <a:r>
               <a:rPr lang="en-US" dirty="0" smtClean="0"/>
-              <a:t>Remaining time until Jun 23rd</a:t>
-            </a:r>
+              <a:t>Remaining time until Jun </a:t>
+            </a:r>
+            <a:r>
+              <a:rPr lang="en-US" dirty="0" smtClean="0"/>
+              <a:t>12</a:t>
+            </a:r>
+            <a:r>
+              <a:rPr lang="en-US" baseline="30000" dirty="0" smtClean="0"/>
+              <a:t>th</a:t>
+            </a:r>
+            <a:endParaRPr lang="en-US" dirty="0" smtClean="0"/>
+          </a:p>
+          <a:p>
+            <a:pPr lvl="1"/>
+            <a:r>
+              <a:rPr lang="en-US" dirty="0" smtClean="0"/>
+              <a:t>Additional Polishing will be ~5-20 hours</a:t>
+            </a:r>
+            <a:endParaRPr lang="en-US" dirty="0" smtClean="0"/>
           </a:p>
           <a:p>
             <a:endParaRPr lang="en-US" dirty="0"/>
@@ -4136,36 +4253,11 @@
               <a:rPr lang="en-US" sz="2400" b="1" dirty="0" smtClean="0"/>
               <a:t>Demon Princess Storyline</a:t>
             </a:r>
-            <a:endParaRPr lang="en-US" sz="2400" b="1" dirty="0" smtClean="0"/>
           </a:p>
           <a:p>
             <a:r>
               <a:rPr lang="en-US" dirty="0" smtClean="0"/>
-              <a:t>The Princess </a:t>
-            </a:r>
-            <a:r>
-              <a:rPr lang="en-US" dirty="0" smtClean="0"/>
-              <a:t>is </a:t>
-            </a:r>
-            <a:r>
-              <a:rPr lang="en-US" dirty="0" smtClean="0"/>
-              <a:t>tired of not being rescued by her Italian Plumber Boyfriend, and has decided to break herself out, as </a:t>
-            </a:r>
-            <a:r>
-              <a:rPr lang="en-US" dirty="0" smtClean="0"/>
-              <a:t>any self-empowered </a:t>
-            </a:r>
-            <a:r>
-              <a:rPr lang="en-US" dirty="0" smtClean="0"/>
-              <a:t>female would. She looks out a window and sees a flash, and her inner power explodes open the door </a:t>
-            </a:r>
-            <a:r>
-              <a:rPr lang="en-US" dirty="0" smtClean="0"/>
-              <a:t>of the room where </a:t>
-            </a:r>
-            <a:r>
-              <a:rPr lang="en-US" dirty="0" smtClean="0"/>
-              <a:t>she was being held. She then realizes that she has the power to create </a:t>
+              <a:t>The Princess is tired of not being rescued by her Italian Plumber Boyfriend, and has decided to break herself out, as any self-empowered female would. She looks out a window and sees a flash, and her inner power explodes open the door of the room where she was being held. She then realizes that she has the power to create </a:t>
             </a:r>
             <a:r>
               <a:rPr lang="en-US" dirty="0" err="1" smtClean="0"/>
@@ -4173,13 +4265,8 @@
             </a:r>
             <a:r>
               <a:rPr lang="en-US" dirty="0" smtClean="0"/>
-              <a:t>-Bally-Thingy’s (GBT’s). She ventures into the next room(s), finding that the doors are locked. From there, the tutorial begins</a:t>
-            </a:r>
-            <a:r>
-              <a:rPr lang="en-US" dirty="0" smtClean="0"/>
-              <a:t>…</a:t>
-            </a:r>
-            <a:endParaRPr lang="en-US" dirty="0" smtClean="0"/>
+              <a:t>-Bally-Thingy’s (GBT’s). She ventures into the next room(s), finding that the doors are locked. From there, the tutorial begins…</a:t>
+            </a:r>
           </a:p>
         </p:txBody>
       </p:sp>
